--- a/ВКР/Презентация/Презентация к БКР Шеху А.У. ПрИн-467.pptx
+++ b/ВКР/Презентация/Презентация к БКР Шеху А.У. ПрИн-467.pptx
@@ -5,7 +5,7 @@
     <p:sldMasterId id="2147483726" r:id="rId1"/>
   </p:sldMasterIdLst>
   <p:notesMasterIdLst>
-    <p:notesMasterId r:id="rId22"/>
+    <p:notesMasterId r:id="rId19"/>
   </p:notesMasterIdLst>
   <p:sldIdLst>
     <p:sldId id="256" r:id="rId2"/>
@@ -14,20 +14,17 @@
     <p:sldId id="260" r:id="rId5"/>
     <p:sldId id="261" r:id="rId6"/>
     <p:sldId id="274" r:id="rId7"/>
-    <p:sldId id="262" r:id="rId8"/>
-    <p:sldId id="263" r:id="rId9"/>
-    <p:sldId id="265" r:id="rId10"/>
-    <p:sldId id="266" r:id="rId11"/>
-    <p:sldId id="270" r:id="rId12"/>
-    <p:sldId id="275" r:id="rId13"/>
-    <p:sldId id="276" r:id="rId14"/>
+    <p:sldId id="263" r:id="rId8"/>
+    <p:sldId id="265" r:id="rId9"/>
+    <p:sldId id="287" r:id="rId10"/>
+    <p:sldId id="288" r:id="rId11"/>
+    <p:sldId id="290" r:id="rId12"/>
+    <p:sldId id="289" r:id="rId13"/>
+    <p:sldId id="270" r:id="rId14"/>
     <p:sldId id="277" r:id="rId15"/>
-    <p:sldId id="278" r:id="rId16"/>
-    <p:sldId id="279" r:id="rId17"/>
-    <p:sldId id="280" r:id="rId18"/>
-    <p:sldId id="284" r:id="rId19"/>
-    <p:sldId id="281" r:id="rId20"/>
-    <p:sldId id="258" r:id="rId21"/>
+    <p:sldId id="279" r:id="rId16"/>
+    <p:sldId id="286" r:id="rId17"/>
+    <p:sldId id="258" r:id="rId18"/>
   </p:sldIdLst>
   <p:sldSz cx="12192000" cy="6858000"/>
   <p:notesSz cx="6858000" cy="9144000"/>
@@ -228,7 +225,7 @@
           <a:p>
             <a:fld id="{6D9412C2-F297-43E7-BE83-5D2AB06CE548}" type="datetimeFigureOut">
               <a:rPr lang="en-US" smtClean="0"/>
-              <a:t>6/7/23</a:t>
+              <a:t>6/10/23</a:t>
             </a:fld>
             <a:endParaRPr lang="en-US"/>
           </a:p>
@@ -642,7 +639,7 @@
           <a:p>
             <a:fld id="{576F8E15-5061-4938-B353-C22736C1E62A}" type="datetime1">
               <a:rPr lang="ru-RU" smtClean="0"/>
-              <a:t>07.06.2023</a:t>
+              <a:t>10.06.2023</a:t>
             </a:fld>
             <a:endParaRPr lang="ru-RU"/>
           </a:p>
@@ -840,7 +837,7 @@
           <a:p>
             <a:fld id="{9FBB037C-BACC-4526-9AFD-2B637BA37960}" type="datetime1">
               <a:rPr lang="ru-RU" smtClean="0"/>
-              <a:t>07.06.2023</a:t>
+              <a:t>10.06.2023</a:t>
             </a:fld>
             <a:endParaRPr lang="ru-RU"/>
           </a:p>
@@ -1048,7 +1045,7 @@
           <a:p>
             <a:fld id="{841C8CA0-10CC-48BA-BC4F-CC4F7072DF17}" type="datetime1">
               <a:rPr lang="ru-RU" smtClean="0"/>
-              <a:t>07.06.2023</a:t>
+              <a:t>10.06.2023</a:t>
             </a:fld>
             <a:endParaRPr lang="ru-RU"/>
           </a:p>
@@ -1246,7 +1243,7 @@
           <a:p>
             <a:fld id="{A7C479D5-B4D1-4221-A428-FA0B93883CCB}" type="datetime1">
               <a:rPr lang="ru-RU" smtClean="0"/>
-              <a:t>07.06.2023</a:t>
+              <a:t>10.06.2023</a:t>
             </a:fld>
             <a:endParaRPr lang="ru-RU"/>
           </a:p>
@@ -1521,7 +1518,7 @@
           <a:p>
             <a:fld id="{9BEF322F-147B-4876-8601-82145487AD40}" type="datetime1">
               <a:rPr lang="ru-RU" smtClean="0"/>
-              <a:t>07.06.2023</a:t>
+              <a:t>10.06.2023</a:t>
             </a:fld>
             <a:endParaRPr lang="ru-RU"/>
           </a:p>
@@ -1786,7 +1783,7 @@
           <a:p>
             <a:fld id="{A969FD2C-9248-46BD-8266-FC27FDDC9047}" type="datetime1">
               <a:rPr lang="ru-RU" smtClean="0"/>
-              <a:t>07.06.2023</a:t>
+              <a:t>10.06.2023</a:t>
             </a:fld>
             <a:endParaRPr lang="ru-RU"/>
           </a:p>
@@ -2198,7 +2195,7 @@
           <a:p>
             <a:fld id="{9153B0F4-D3DC-4D21-BCFF-722DB92B05DC}" type="datetime1">
               <a:rPr lang="ru-RU" smtClean="0"/>
-              <a:t>07.06.2023</a:t>
+              <a:t>10.06.2023</a:t>
             </a:fld>
             <a:endParaRPr lang="ru-RU"/>
           </a:p>
@@ -2339,7 +2336,7 @@
           <a:p>
             <a:fld id="{92E0AE0B-4B4E-4A4E-885C-1A6C9B18E086}" type="datetime1">
               <a:rPr lang="ru-RU" smtClean="0"/>
-              <a:t>07.06.2023</a:t>
+              <a:t>10.06.2023</a:t>
             </a:fld>
             <a:endParaRPr lang="ru-RU"/>
           </a:p>
@@ -2452,7 +2449,7 @@
           <a:p>
             <a:fld id="{46B95380-B3EF-472E-976C-7D1C64B09669}" type="datetime1">
               <a:rPr lang="ru-RU" smtClean="0"/>
-              <a:t>07.06.2023</a:t>
+              <a:t>10.06.2023</a:t>
             </a:fld>
             <a:endParaRPr lang="ru-RU"/>
           </a:p>
@@ -2763,7 +2760,7 @@
           <a:p>
             <a:fld id="{6EFAF9FF-F6CF-4FD1-B565-A3AAB013153A}" type="datetime1">
               <a:rPr lang="ru-RU" smtClean="0"/>
-              <a:t>07.06.2023</a:t>
+              <a:t>10.06.2023</a:t>
             </a:fld>
             <a:endParaRPr lang="ru-RU"/>
           </a:p>
@@ -3051,7 +3048,7 @@
           <a:p>
             <a:fld id="{5830FDD6-0937-4A7F-9E9F-71539A6DC750}" type="datetime1">
               <a:rPr lang="ru-RU" smtClean="0"/>
-              <a:t>07.06.2023</a:t>
+              <a:t>10.06.2023</a:t>
             </a:fld>
             <a:endParaRPr lang="ru-RU"/>
           </a:p>
@@ -3292,7 +3289,7 @@
           <a:p>
             <a:fld id="{75A89BCB-BAB3-4399-AEF6-A042EE38D178}" type="datetime1">
               <a:rPr lang="ru-RU" smtClean="0"/>
-              <a:t>07.06.2023</a:t>
+              <a:t>10.06.2023</a:t>
             </a:fld>
             <a:endParaRPr lang="ru-RU"/>
           </a:p>
@@ -3838,8 +3835,8 @@
         </p:nvSpPr>
         <p:spPr>
           <a:xfrm>
-            <a:off x="2702724" y="3963498"/>
-            <a:ext cx="7069887" cy="2452257"/>
+            <a:off x="1351444" y="3983819"/>
+            <a:ext cx="7069887" cy="923462"/>
           </a:xfrm>
         </p:spPr>
         <p:txBody>
@@ -3847,17 +3844,6 @@
             <a:normAutofit/>
           </a:bodyPr>
           <a:lstStyle/>
-          <a:p>
-            <a:pPr lvl="0" algn="l">
-              <a:spcBef>
-                <a:spcPts val="0"/>
-              </a:spcBef>
-            </a:pPr>
-            <a:endParaRPr lang="ru" sz="3000" b="1" dirty="0">
-              <a:latin typeface="Times New Roman" panose="02020603050405020304" pitchFamily="18" charset="0"/>
-              <a:cs typeface="Times New Roman" panose="02020603050405020304" pitchFamily="18" charset="0"/>
-            </a:endParaRPr>
-          </a:p>
           <a:p>
             <a:pPr algn="l">
               <a:spcBef>
@@ -3913,32 +3899,38 @@
               </a:rPr>
               <a:t>Ст. П, Гилка В.В</a:t>
             </a:r>
-          </a:p>
-          <a:p>
-            <a:pPr algn="l">
-              <a:spcBef>
-                <a:spcPts val="0"/>
-              </a:spcBef>
-            </a:pPr>
-            <a:endParaRPr lang="ru-RU" altLang="ru-RU" sz="2800" dirty="0">
-              <a:latin typeface="Times New Roman" panose="02020603050405020304" pitchFamily="18" charset="0"/>
-              <a:cs typeface="Times New Roman" panose="02020603050405020304" pitchFamily="18" charset="0"/>
-            </a:endParaRPr>
-          </a:p>
-          <a:p>
-            <a:pPr>
-              <a:spcBef>
-                <a:spcPts val="0"/>
-              </a:spcBef>
-            </a:pPr>
             <a:endParaRPr lang="ru-RU" dirty="0"/>
           </a:p>
-          <a:p>
-            <a:pPr>
-              <a:spcBef>
-                <a:spcPts val="0"/>
-              </a:spcBef>
-            </a:pPr>
+        </p:txBody>
+      </p:sp>
+      <p:sp>
+        <p:nvSpPr>
+          <p:cNvPr id="4" name="TextBox 3">
+            <a:extLst>
+              <a:ext uri="{FF2B5EF4-FFF2-40B4-BE49-F238E27FC236}">
+                <a16:creationId xmlns:a16="http://schemas.microsoft.com/office/drawing/2014/main" id="{0651A3C7-A985-549B-54CA-6D57427E0DC9}"/>
+              </a:ext>
+            </a:extLst>
+          </p:cNvPr>
+          <p:cNvSpPr txBox="1"/>
+          <p:nvPr/>
+        </p:nvSpPr>
+        <p:spPr>
+          <a:xfrm>
+            <a:off x="5082800" y="5923280"/>
+            <a:ext cx="2309735" cy="830997"/>
+          </a:xfrm>
+          <a:prstGeom prst="rect">
+            <a:avLst/>
+          </a:prstGeom>
+          <a:noFill/>
+        </p:spPr>
+        <p:txBody>
+          <a:bodyPr wrap="none" rtlCol="0">
+            <a:spAutoFit/>
+          </a:bodyPr>
+          <a:lstStyle/>
+          <a:p>
             <a:r>
               <a:rPr lang="ru-RU" sz="2400" dirty="0">
                 <a:latin typeface="Times New Roman" panose="02020603050405020304" pitchFamily="18" charset="0"/>
@@ -3959,12 +3951,7 @@
             </a:endParaRPr>
           </a:p>
           <a:p>
-            <a:pPr lvl="0" algn="l">
-              <a:spcBef>
-                <a:spcPts val="0"/>
-              </a:spcBef>
-            </a:pPr>
-            <a:endParaRPr lang="ru-RU" dirty="0"/>
+            <a:endParaRPr lang="en-NG" sz="2400" dirty="0"/>
           </a:p>
         </p:txBody>
       </p:sp>
@@ -4000,18 +3987,18 @@
       </p:grpSpPr>
       <p:sp>
         <p:nvSpPr>
-          <p:cNvPr id="2" name="Заголовок 1">
-            <a:extLst>
-              <a:ext uri="{FF2B5EF4-FFF2-40B4-BE49-F238E27FC236}">
-                <a16:creationId xmlns:a16="http://schemas.microsoft.com/office/drawing/2014/main" id="{2FE5948B-1722-D6B0-BB33-2CDE100F36D5}"/>
-              </a:ext>
-            </a:extLst>
-          </p:cNvPr>
-          <p:cNvSpPr>
-            <a:spLocks noGrp="1"/>
-          </p:cNvSpPr>
-          <p:nvPr>
-            <p:ph type="title"/>
+          <p:cNvPr id="4" name="Slide Number Placeholder 3">
+            <a:extLst>
+              <a:ext uri="{FF2B5EF4-FFF2-40B4-BE49-F238E27FC236}">
+                <a16:creationId xmlns:a16="http://schemas.microsoft.com/office/drawing/2014/main" id="{E8E0ACCE-F7AD-52B7-2903-587E25929D7E}"/>
+              </a:ext>
+            </a:extLst>
+          </p:cNvPr>
+          <p:cNvSpPr>
+            <a:spLocks noGrp="1"/>
+          </p:cNvSpPr>
+          <p:nvPr>
+            <p:ph type="sldNum" sz="quarter" idx="12"/>
           </p:nvPr>
         </p:nvSpPr>
         <p:spPr/>
@@ -4019,76 +4006,104 @@
           <a:bodyPr/>
           <a:lstStyle/>
           <a:p>
-            <a:pPr algn="ctr"/>
-            <a:r>
-              <a:rPr lang="ru-RU" dirty="0"/>
-              <a:t>База данных</a:t>
-            </a:r>
-          </a:p>
-        </p:txBody>
-      </p:sp>
-      <p:sp>
-        <p:nvSpPr>
-          <p:cNvPr id="5" name="Slide Number Placeholder 4">
-            <a:extLst>
-              <a:ext uri="{FF2B5EF4-FFF2-40B4-BE49-F238E27FC236}">
-                <a16:creationId xmlns:a16="http://schemas.microsoft.com/office/drawing/2014/main" id="{AA717EFA-C2A0-3959-12DC-3A3755AC5A63}"/>
-              </a:ext>
-            </a:extLst>
-          </p:cNvPr>
-          <p:cNvSpPr>
-            <a:spLocks noGrp="1"/>
-          </p:cNvSpPr>
-          <p:nvPr>
-            <p:ph type="sldNum" sz="quarter" idx="12"/>
-          </p:nvPr>
-        </p:nvSpPr>
-        <p:spPr/>
-        <p:txBody>
-          <a:bodyPr/>
-          <a:lstStyle/>
-          <a:p>
             <a:fld id="{A88324F3-E932-4F19-A21A-29BF31A0B8AF}" type="slidenum">
-              <a:rPr lang="ru-RU" sz="2000" smtClean="0">
-                <a:latin typeface="Arial Black" panose="020B0A04020102020204" pitchFamily="34" charset="0"/>
-              </a:rPr>
+              <a:rPr lang="ru-RU" smtClean="0"/>
               <a:t>10</a:t>
             </a:fld>
-            <a:endParaRPr lang="ru-RU" sz="2000" dirty="0">
-              <a:latin typeface="Arial Black" panose="020B0A04020102020204" pitchFamily="34" charset="0"/>
+            <a:endParaRPr lang="ru-RU"/>
+          </a:p>
+        </p:txBody>
+      </p:sp>
+      <p:sp>
+        <p:nvSpPr>
+          <p:cNvPr id="5" name="Заголовок 1">
+            <a:extLst>
+              <a:ext uri="{FF2B5EF4-FFF2-40B4-BE49-F238E27FC236}">
+                <a16:creationId xmlns:a16="http://schemas.microsoft.com/office/drawing/2014/main" id="{73E51EE3-8574-E063-F898-9D07F50D0F42}"/>
+              </a:ext>
+            </a:extLst>
+          </p:cNvPr>
+          <p:cNvSpPr>
+            <a:spLocks noGrp="1"/>
+          </p:cNvSpPr>
+          <p:nvPr>
+            <p:ph type="title"/>
+          </p:nvPr>
+        </p:nvSpPr>
+        <p:spPr>
+          <a:xfrm>
+            <a:off x="838200" y="144779"/>
+            <a:ext cx="10515600" cy="1325563"/>
+          </a:xfrm>
+        </p:spPr>
+        <p:txBody>
+          <a:bodyPr>
+            <a:normAutofit/>
+          </a:bodyPr>
+          <a:lstStyle/>
+          <a:p>
+            <a:pPr algn="ctr"/>
+            <a:r>
+              <a:rPr lang="ru-RU" sz="3200" dirty="0">
+                <a:latin typeface="Times New Roman" panose="02020603050405020304" pitchFamily="18" charset="0"/>
+                <a:cs typeface="Times New Roman" panose="02020603050405020304" pitchFamily="18" charset="0"/>
+              </a:rPr>
+              <a:t>Диаграмма классов сервера концептуального уровня в нотации </a:t>
+            </a:r>
+            <a:r>
+              <a:rPr lang="en-GB" sz="3200" dirty="0">
+                <a:latin typeface="Times New Roman" panose="02020603050405020304" pitchFamily="18" charset="0"/>
+                <a:cs typeface="Times New Roman" panose="02020603050405020304" pitchFamily="18" charset="0"/>
+              </a:rPr>
+              <a:t>UML </a:t>
+            </a:r>
+            <a:endParaRPr lang="ru-RU" sz="3200" dirty="0">
+              <a:latin typeface="Times New Roman" panose="02020603050405020304" pitchFamily="18" charset="0"/>
+              <a:cs typeface="Times New Roman" panose="02020603050405020304" pitchFamily="18" charset="0"/>
             </a:endParaRPr>
           </a:p>
         </p:txBody>
       </p:sp>
-      <p:sp>
-        <p:nvSpPr>
-          <p:cNvPr id="6" name="Content Placeholder 5">
-            <a:extLst>
-              <a:ext uri="{FF2B5EF4-FFF2-40B4-BE49-F238E27FC236}">
-                <a16:creationId xmlns:a16="http://schemas.microsoft.com/office/drawing/2014/main" id="{5D0B6050-9E24-4B91-A6CC-05D62B12E791}"/>
-              </a:ext>
-            </a:extLst>
-          </p:cNvPr>
-          <p:cNvSpPr>
-            <a:spLocks noGrp="1"/>
-          </p:cNvSpPr>
-          <p:nvPr>
-            <p:ph idx="1"/>
-          </p:nvPr>
-        </p:nvSpPr>
-        <p:spPr/>
-        <p:txBody>
-          <a:bodyPr/>
-          <a:lstStyle/>
-          <a:p>
-            <a:endParaRPr lang="en-NG"/>
-          </a:p>
-        </p:txBody>
-      </p:sp>
+      <p:pic>
+        <p:nvPicPr>
+          <p:cNvPr id="8" name="Picture 7">
+            <a:extLst>
+              <a:ext uri="{FF2B5EF4-FFF2-40B4-BE49-F238E27FC236}">
+                <a16:creationId xmlns:a16="http://schemas.microsoft.com/office/drawing/2014/main" id="{00E3B18F-ADBC-AFB0-DE3E-92EE5D82A91D}"/>
+              </a:ext>
+            </a:extLst>
+          </p:cNvPr>
+          <p:cNvPicPr>
+            <a:picLocks noChangeAspect="1"/>
+          </p:cNvPicPr>
+          <p:nvPr/>
+        </p:nvPicPr>
+        <p:blipFill>
+          <a:blip r:embed="rId2">
+            <a:extLst>
+              <a:ext uri="{28A0092B-C50C-407E-A947-70E740481C1C}">
+                <a14:useLocalDpi xmlns:a14="http://schemas.microsoft.com/office/drawing/2010/main" val="0"/>
+              </a:ext>
+            </a:extLst>
+          </a:blip>
+          <a:stretch>
+            <a:fillRect/>
+          </a:stretch>
+        </p:blipFill>
+        <p:spPr>
+          <a:xfrm>
+            <a:off x="3242690" y="1768157"/>
+            <a:ext cx="5564379" cy="3992563"/>
+          </a:xfrm>
+          <a:prstGeom prst="rect">
+            <a:avLst/>
+          </a:prstGeom>
+        </p:spPr>
+      </p:pic>
     </p:spTree>
     <p:extLst>
       <p:ext uri="{BB962C8B-B14F-4D97-AF65-F5344CB8AC3E}">
-        <p14:creationId xmlns:p14="http://schemas.microsoft.com/office/powerpoint/2010/main" val="3873817005"/>
+        <p14:creationId xmlns:p14="http://schemas.microsoft.com/office/powerpoint/2010/main" val="3804550704"/>
       </p:ext>
     </p:extLst>
   </p:cSld>
@@ -4117,10 +4132,10 @@
       </p:grpSpPr>
       <p:sp>
         <p:nvSpPr>
-          <p:cNvPr id="2" name="Заголовок 1">
-            <a:extLst>
-              <a:ext uri="{FF2B5EF4-FFF2-40B4-BE49-F238E27FC236}">
-                <a16:creationId xmlns:a16="http://schemas.microsoft.com/office/drawing/2014/main" id="{A9188D64-302C-0554-34D0-E426732E4B27}"/>
+          <p:cNvPr id="2" name="Title 1">
+            <a:extLst>
+              <a:ext uri="{FF2B5EF4-FFF2-40B4-BE49-F238E27FC236}">
+                <a16:creationId xmlns:a16="http://schemas.microsoft.com/office/drawing/2014/main" id="{4E26437B-6767-5D43-6C65-32BC7B4AD8F5}"/>
               </a:ext>
             </a:extLst>
           </p:cNvPr>
@@ -4133,32 +4148,111 @@
         </p:nvSpPr>
         <p:spPr/>
         <p:txBody>
-          <a:bodyPr>
-            <a:normAutofit/>
-          </a:bodyPr>
-          <a:lstStyle/>
-          <a:p>
-            <a:pPr algn="ctr"/>
+          <a:bodyPr/>
+          <a:lstStyle/>
+          <a:p>
+            <a:r>
+              <a:rPr lang="ru-RU" dirty="0">
+                <a:latin typeface="Times New Roman" panose="02020603050405020304" pitchFamily="18" charset="0"/>
+                <a:cs typeface="Times New Roman" panose="02020603050405020304" pitchFamily="18" charset="0"/>
+              </a:rPr>
+              <a:t>Тестирование приложений</a:t>
+            </a:r>
+            <a:endParaRPr lang="en-NG" dirty="0">
+              <a:latin typeface="Times New Roman" panose="02020603050405020304" pitchFamily="18" charset="0"/>
+              <a:cs typeface="Times New Roman" panose="02020603050405020304" pitchFamily="18" charset="0"/>
+            </a:endParaRPr>
+          </a:p>
+        </p:txBody>
+      </p:sp>
+      <p:sp>
+        <p:nvSpPr>
+          <p:cNvPr id="3" name="Content Placeholder 2">
+            <a:extLst>
+              <a:ext uri="{FF2B5EF4-FFF2-40B4-BE49-F238E27FC236}">
+                <a16:creationId xmlns:a16="http://schemas.microsoft.com/office/drawing/2014/main" id="{0AAD0FBA-B32C-AF63-FCBD-ABC1B72B4600}"/>
+              </a:ext>
+            </a:extLst>
+          </p:cNvPr>
+          <p:cNvSpPr>
+            <a:spLocks noGrp="1"/>
+          </p:cNvSpPr>
+          <p:nvPr>
+            <p:ph idx="1"/>
+          </p:nvPr>
+        </p:nvSpPr>
+        <p:spPr/>
+        <p:txBody>
+          <a:bodyPr/>
+          <a:lstStyle/>
+          <a:p>
             <a:r>
               <a:rPr lang="ru-RU" dirty="0"/>
-              <a:t>Результата разработанного программа </a:t>
-            </a:r>
-            <a:br>
+              <a:t>Модульное тестирование</a:t>
+            </a:r>
+            <a:r>
               <a:rPr lang="en-US" dirty="0"/>
-            </a:br>
-            <a:r>
-              <a:rPr lang="ru-RU" sz="3600" dirty="0"/>
-              <a:t>Регистрация в приложении</a:t>
-            </a:r>
-          </a:p>
-        </p:txBody>
-      </p:sp>
-      <p:sp>
-        <p:nvSpPr>
-          <p:cNvPr id="5" name="Slide Number Placeholder 4">
-            <a:extLst>
-              <a:ext uri="{FF2B5EF4-FFF2-40B4-BE49-F238E27FC236}">
-                <a16:creationId xmlns:a16="http://schemas.microsoft.com/office/drawing/2014/main" id="{1AA59838-9716-6C89-7D39-FD2C6E190535}"/>
+              <a:t> – 71 </a:t>
+            </a:r>
+            <a:r>
+              <a:rPr lang="ru-RU" dirty="0"/>
+              <a:t>единица</a:t>
+            </a:r>
+            <a:endParaRPr lang="en-US" dirty="0"/>
+          </a:p>
+          <a:p>
+            <a:r>
+              <a:rPr lang="ru-RU" dirty="0"/>
+              <a:t>Нагрузочное тестирование</a:t>
+            </a:r>
+            <a:r>
+              <a:rPr lang="en-US" dirty="0"/>
+              <a:t> </a:t>
+            </a:r>
+          </a:p>
+          <a:p>
+            <a:r>
+              <a:rPr lang="ru-RU" dirty="0"/>
+              <a:t>Автоматизированное тестирование с использованием фреймворка</a:t>
+            </a:r>
+            <a:r>
+              <a:rPr lang="en-US" dirty="0"/>
+              <a:t> Espresso</a:t>
+            </a:r>
+          </a:p>
+          <a:p>
+            <a:r>
+              <a:rPr lang="ru-RU" dirty="0"/>
+              <a:t>Ручное тестирование</a:t>
+            </a:r>
+            <a:endParaRPr lang="en-US" dirty="0"/>
+          </a:p>
+          <a:p>
+            <a:pPr marL="0" indent="0">
+              <a:buNone/>
+            </a:pPr>
+            <a:endParaRPr lang="en-US" dirty="0"/>
+          </a:p>
+          <a:p>
+            <a:pPr marL="0" indent="0">
+              <a:buNone/>
+            </a:pPr>
+            <a:endParaRPr lang="en-US" dirty="0"/>
+          </a:p>
+          <a:p>
+            <a:pPr marL="0" indent="0">
+              <a:buNone/>
+            </a:pPr>
+            <a:endParaRPr lang="en-NG" dirty="0"/>
+          </a:p>
+        </p:txBody>
+      </p:sp>
+      <p:sp>
+        <p:nvSpPr>
+          <p:cNvPr id="4" name="Slide Number Placeholder 3">
+            <a:extLst>
+              <a:ext uri="{FF2B5EF4-FFF2-40B4-BE49-F238E27FC236}">
+                <a16:creationId xmlns:a16="http://schemas.microsoft.com/office/drawing/2014/main" id="{DB6DDCA9-1EFD-D732-A879-85555D5FC20D}"/>
               </a:ext>
             </a:extLst>
           </p:cNvPr>
@@ -4175,57 +4269,17 @@
           <a:lstStyle/>
           <a:p>
             <a:fld id="{A88324F3-E932-4F19-A21A-29BF31A0B8AF}" type="slidenum">
-              <a:rPr lang="ru-RU" sz="2000" smtClean="0">
-                <a:latin typeface="Arial Black" panose="020B0A04020102020204" pitchFamily="34" charset="0"/>
-              </a:rPr>
+              <a:rPr lang="ru-RU" smtClean="0"/>
               <a:t>11</a:t>
             </a:fld>
-            <a:endParaRPr lang="ru-RU" sz="2000" dirty="0">
-              <a:latin typeface="Arial Black" panose="020B0A04020102020204" pitchFamily="34" charset="0"/>
-            </a:endParaRPr>
-          </a:p>
-        </p:txBody>
-      </p:sp>
-      <p:pic>
-        <p:nvPicPr>
-          <p:cNvPr id="3" name="Picture 2">
-            <a:extLst>
-              <a:ext uri="{FF2B5EF4-FFF2-40B4-BE49-F238E27FC236}">
-                <a16:creationId xmlns:a16="http://schemas.microsoft.com/office/drawing/2014/main" id="{010F054A-30A4-3BF4-2BF1-760AF831B045}"/>
-              </a:ext>
-            </a:extLst>
-          </p:cNvPr>
-          <p:cNvPicPr>
-            <a:picLocks noChangeAspect="1"/>
-          </p:cNvPicPr>
-          <p:nvPr/>
-        </p:nvPicPr>
-        <p:blipFill>
-          <a:blip r:embed="rId2" cstate="print">
-            <a:extLst>
-              <a:ext uri="{28A0092B-C50C-407E-A947-70E740481C1C}">
-                <a14:useLocalDpi xmlns:a14="http://schemas.microsoft.com/office/drawing/2010/main" val="0"/>
-              </a:ext>
-            </a:extLst>
-          </a:blip>
-          <a:stretch>
-            <a:fillRect/>
-          </a:stretch>
-        </p:blipFill>
-        <p:spPr>
-          <a:xfrm>
-            <a:off x="4917440" y="1612698"/>
-            <a:ext cx="2357119" cy="5108777"/>
-          </a:xfrm>
-          <a:prstGeom prst="rect">
-            <a:avLst/>
-          </a:prstGeom>
-        </p:spPr>
-      </p:pic>
+            <a:endParaRPr lang="ru-RU"/>
+          </a:p>
+        </p:txBody>
+      </p:sp>
     </p:spTree>
     <p:extLst>
       <p:ext uri="{BB962C8B-B14F-4D97-AF65-F5344CB8AC3E}">
-        <p14:creationId xmlns:p14="http://schemas.microsoft.com/office/powerpoint/2010/main" val="2730340031"/>
+        <p14:creationId xmlns:p14="http://schemas.microsoft.com/office/powerpoint/2010/main" val="2127623435"/>
       </p:ext>
     </p:extLst>
   </p:cSld>
@@ -4254,10 +4308,10 @@
       </p:grpSpPr>
       <p:sp>
         <p:nvSpPr>
-          <p:cNvPr id="2" name="Заголовок 1">
-            <a:extLst>
-              <a:ext uri="{FF2B5EF4-FFF2-40B4-BE49-F238E27FC236}">
-                <a16:creationId xmlns:a16="http://schemas.microsoft.com/office/drawing/2014/main" id="{A9188D64-302C-0554-34D0-E426732E4B27}"/>
+          <p:cNvPr id="2" name="Title 1">
+            <a:extLst>
+              <a:ext uri="{FF2B5EF4-FFF2-40B4-BE49-F238E27FC236}">
+                <a16:creationId xmlns:a16="http://schemas.microsoft.com/office/drawing/2014/main" id="{646DD9F2-2C1F-2189-8CD2-374FFA0057DA}"/>
               </a:ext>
             </a:extLst>
           </p:cNvPr>
@@ -4270,36 +4324,30 @@
         </p:nvSpPr>
         <p:spPr/>
         <p:txBody>
-          <a:bodyPr>
-            <a:normAutofit fontScale="90000"/>
-          </a:bodyPr>
+          <a:bodyPr/>
           <a:lstStyle/>
           <a:p>
             <a:pPr algn="ctr"/>
             <a:r>
-              <a:rPr lang="ru-RU" dirty="0"/>
-              <a:t>Результата разработанного программа </a:t>
-            </a:r>
-            <a:br>
-              <a:rPr lang="en-US" dirty="0"/>
-            </a:br>
-            <a:r>
-              <a:rPr lang="ru-RU" sz="4000" dirty="0"/>
-              <a:t>Просмотр списка ресторанов</a:t>
-            </a:r>
-            <a:br>
-              <a:rPr lang="en-US" sz="2000" dirty="0"/>
-            </a:br>
-            <a:endParaRPr lang="ru-RU" sz="3600" dirty="0"/>
-          </a:p>
-        </p:txBody>
-      </p:sp>
-      <p:sp>
-        <p:nvSpPr>
-          <p:cNvPr id="5" name="Slide Number Placeholder 4">
-            <a:extLst>
-              <a:ext uri="{FF2B5EF4-FFF2-40B4-BE49-F238E27FC236}">
-                <a16:creationId xmlns:a16="http://schemas.microsoft.com/office/drawing/2014/main" id="{1AA59838-9716-6C89-7D39-FD2C6E190535}"/>
+              <a:rPr lang="ru-RU" dirty="0">
+                <a:latin typeface="Times New Roman" panose="02020603050405020304" pitchFamily="18" charset="0"/>
+                <a:cs typeface="Times New Roman" panose="02020603050405020304" pitchFamily="18" charset="0"/>
+              </a:rPr>
+              <a:t>Юзабилити-тестирование</a:t>
+            </a:r>
+            <a:endParaRPr lang="en-NG" dirty="0">
+              <a:latin typeface="Times New Roman" panose="02020603050405020304" pitchFamily="18" charset="0"/>
+              <a:cs typeface="Times New Roman" panose="02020603050405020304" pitchFamily="18" charset="0"/>
+            </a:endParaRPr>
+          </a:p>
+        </p:txBody>
+      </p:sp>
+      <p:sp>
+        <p:nvSpPr>
+          <p:cNvPr id="4" name="Slide Number Placeholder 3">
+            <a:extLst>
+              <a:ext uri="{FF2B5EF4-FFF2-40B4-BE49-F238E27FC236}">
+                <a16:creationId xmlns:a16="http://schemas.microsoft.com/office/drawing/2014/main" id="{CC02E5B3-576A-ED2D-B084-81515AD34B81}"/>
               </a:ext>
             </a:extLst>
           </p:cNvPr>
@@ -4316,23 +4364,19 @@
           <a:lstStyle/>
           <a:p>
             <a:fld id="{A88324F3-E932-4F19-A21A-29BF31A0B8AF}" type="slidenum">
-              <a:rPr lang="ru-RU" sz="2000" smtClean="0">
-                <a:latin typeface="Arial Black" panose="020B0A04020102020204" pitchFamily="34" charset="0"/>
-              </a:rPr>
+              <a:rPr lang="ru-RU" smtClean="0"/>
               <a:t>12</a:t>
             </a:fld>
-            <a:endParaRPr lang="ru-RU" sz="2000" dirty="0">
-              <a:latin typeface="Arial Black" panose="020B0A04020102020204" pitchFamily="34" charset="0"/>
-            </a:endParaRPr>
+            <a:endParaRPr lang="ru-RU"/>
           </a:p>
         </p:txBody>
       </p:sp>
       <p:pic>
         <p:nvPicPr>
-          <p:cNvPr id="4" name="Picture 3">
-            <a:extLst>
-              <a:ext uri="{FF2B5EF4-FFF2-40B4-BE49-F238E27FC236}">
-                <a16:creationId xmlns:a16="http://schemas.microsoft.com/office/drawing/2014/main" id="{5976FD4A-9ADE-7340-DD72-40AA4F0CBA3C}"/>
+          <p:cNvPr id="6" name="Picture 5">
+            <a:extLst>
+              <a:ext uri="{FF2B5EF4-FFF2-40B4-BE49-F238E27FC236}">
+                <a16:creationId xmlns:a16="http://schemas.microsoft.com/office/drawing/2014/main" id="{05FE04C0-170A-6E57-C5BE-824AA9AD3B9E}"/>
               </a:ext>
             </a:extLst>
           </p:cNvPr>
@@ -4342,7 +4386,7 @@
           <p:nvPr/>
         </p:nvPicPr>
         <p:blipFill>
-          <a:blip r:embed="rId2" cstate="print">
+          <a:blip r:embed="rId2">
             <a:extLst>
               <a:ext uri="{28A0092B-C50C-407E-A947-70E740481C1C}">
                 <a14:useLocalDpi xmlns:a14="http://schemas.microsoft.com/office/drawing/2010/main" val="0"/>
@@ -4355,8 +4399,44 @@
         </p:blipFill>
         <p:spPr>
           <a:xfrm>
-            <a:off x="4872037" y="1416233"/>
-            <a:ext cx="2447925" cy="5305242"/>
+            <a:off x="797560" y="1503072"/>
+            <a:ext cx="4638040" cy="5145437"/>
+          </a:xfrm>
+          <a:prstGeom prst="rect">
+            <a:avLst/>
+          </a:prstGeom>
+        </p:spPr>
+      </p:pic>
+      <p:pic>
+        <p:nvPicPr>
+          <p:cNvPr id="8" name="Picture 7">
+            <a:extLst>
+              <a:ext uri="{FF2B5EF4-FFF2-40B4-BE49-F238E27FC236}">
+                <a16:creationId xmlns:a16="http://schemas.microsoft.com/office/drawing/2014/main" id="{03DEEB1A-558A-DAED-E1FA-BCCBB93FF588}"/>
+              </a:ext>
+            </a:extLst>
+          </p:cNvPr>
+          <p:cNvPicPr>
+            <a:picLocks noChangeAspect="1"/>
+          </p:cNvPicPr>
+          <p:nvPr/>
+        </p:nvPicPr>
+        <p:blipFill>
+          <a:blip r:embed="rId3">
+            <a:extLst>
+              <a:ext uri="{28A0092B-C50C-407E-A947-70E740481C1C}">
+                <a14:useLocalDpi xmlns:a14="http://schemas.microsoft.com/office/drawing/2010/main" val="0"/>
+              </a:ext>
+            </a:extLst>
+          </a:blip>
+          <a:stretch>
+            <a:fillRect/>
+          </a:stretch>
+        </p:blipFill>
+        <p:spPr>
+          <a:xfrm>
+            <a:off x="5667059" y="1941194"/>
+            <a:ext cx="6319357" cy="3748405"/>
           </a:xfrm>
           <a:prstGeom prst="rect">
             <a:avLst/>
@@ -4366,7 +4446,7 @@
     </p:spTree>
     <p:extLst>
       <p:ext uri="{BB962C8B-B14F-4D97-AF65-F5344CB8AC3E}">
-        <p14:creationId xmlns:p14="http://schemas.microsoft.com/office/powerpoint/2010/main" val="2818377739"/>
+        <p14:creationId xmlns:p14="http://schemas.microsoft.com/office/powerpoint/2010/main" val="3097447789"/>
       </p:ext>
     </p:extLst>
   </p:cSld>
@@ -4411,8 +4491,8 @@
         </p:nvSpPr>
         <p:spPr>
           <a:xfrm>
-            <a:off x="838200" y="639445"/>
-            <a:ext cx="10515600" cy="1325563"/>
+            <a:off x="838200" y="365125"/>
+            <a:ext cx="10515600" cy="630555"/>
           </a:xfrm>
         </p:spPr>
         <p:txBody>
@@ -4423,23 +4503,16 @@
           <a:p>
             <a:pPr algn="ctr"/>
             <a:r>
-              <a:rPr lang="ru-RU" dirty="0"/>
+              <a:rPr lang="ru-RU" dirty="0">
+                <a:latin typeface="Times New Roman" panose="02020603050405020304" pitchFamily="18" charset="0"/>
+                <a:cs typeface="Times New Roman" panose="02020603050405020304" pitchFamily="18" charset="0"/>
+              </a:rPr>
               <a:t>Результата разработанного программа </a:t>
             </a:r>
-            <a:br>
-              <a:rPr lang="en-US" dirty="0"/>
-            </a:br>
-            <a:r>
-              <a:rPr lang="ru-RU" dirty="0"/>
-              <a:t>Просмотр информации о ресторанах и их меню</a:t>
-            </a:r>
-            <a:br>
-              <a:rPr lang="en-US" dirty="0"/>
-            </a:br>
-            <a:br>
-              <a:rPr lang="en-US" dirty="0"/>
-            </a:br>
-            <a:endParaRPr lang="ru-RU" sz="3600" dirty="0"/>
+            <a:endParaRPr lang="ru-RU" sz="3600" dirty="0">
+              <a:latin typeface="Times New Roman" panose="02020603050405020304" pitchFamily="18" charset="0"/>
+              <a:cs typeface="Times New Roman" panose="02020603050405020304" pitchFamily="18" charset="0"/>
+            </a:endParaRPr>
           </a:p>
         </p:txBody>
       </p:sp>
@@ -4481,7 +4554,7 @@
           <p:cNvPr id="3" name="Picture 2">
             <a:extLst>
               <a:ext uri="{FF2B5EF4-FFF2-40B4-BE49-F238E27FC236}">
-                <a16:creationId xmlns:a16="http://schemas.microsoft.com/office/drawing/2014/main" id="{BA13A40D-91D5-9A6B-386E-3B7A82C5B806}"/>
+                <a16:creationId xmlns:a16="http://schemas.microsoft.com/office/drawing/2014/main" id="{010F054A-30A4-3BF4-2BF1-760AF831B045}"/>
               </a:ext>
             </a:extLst>
           </p:cNvPr>
@@ -4504,8 +4577,116 @@
         </p:blipFill>
         <p:spPr>
           <a:xfrm>
-            <a:off x="4987766" y="1551856"/>
-            <a:ext cx="2368074" cy="5133120"/>
+            <a:off x="838200" y="1274921"/>
+            <a:ext cx="2274425" cy="4802187"/>
+          </a:xfrm>
+          <a:prstGeom prst="rect">
+            <a:avLst/>
+          </a:prstGeom>
+        </p:spPr>
+      </p:pic>
+      <p:pic>
+        <p:nvPicPr>
+          <p:cNvPr id="6" name="Picture 5">
+            <a:extLst>
+              <a:ext uri="{FF2B5EF4-FFF2-40B4-BE49-F238E27FC236}">
+                <a16:creationId xmlns:a16="http://schemas.microsoft.com/office/drawing/2014/main" id="{F370C975-7400-A903-55FF-45EB43E9D950}"/>
+              </a:ext>
+            </a:extLst>
+          </p:cNvPr>
+          <p:cNvPicPr>
+            <a:picLocks noChangeAspect="1"/>
+          </p:cNvPicPr>
+          <p:nvPr/>
+        </p:nvPicPr>
+        <p:blipFill>
+          <a:blip r:embed="rId3">
+            <a:extLst>
+              <a:ext uri="{28A0092B-C50C-407E-A947-70E740481C1C}">
+                <a14:useLocalDpi xmlns:a14="http://schemas.microsoft.com/office/drawing/2010/main" val="0"/>
+              </a:ext>
+            </a:extLst>
+          </a:blip>
+          <a:stretch>
+            <a:fillRect/>
+          </a:stretch>
+        </p:blipFill>
+        <p:spPr>
+          <a:xfrm>
+            <a:off x="3545198" y="1274921"/>
+            <a:ext cx="2274425" cy="4802187"/>
+          </a:xfrm>
+          <a:prstGeom prst="rect">
+            <a:avLst/>
+          </a:prstGeom>
+        </p:spPr>
+      </p:pic>
+      <p:pic>
+        <p:nvPicPr>
+          <p:cNvPr id="7" name="Picture 6">
+            <a:extLst>
+              <a:ext uri="{FF2B5EF4-FFF2-40B4-BE49-F238E27FC236}">
+                <a16:creationId xmlns:a16="http://schemas.microsoft.com/office/drawing/2014/main" id="{77AB7290-3665-67FE-205B-85D7BAE810CA}"/>
+              </a:ext>
+            </a:extLst>
+          </p:cNvPr>
+          <p:cNvPicPr>
+            <a:picLocks noChangeAspect="1"/>
+          </p:cNvPicPr>
+          <p:nvPr/>
+        </p:nvPicPr>
+        <p:blipFill>
+          <a:blip r:embed="rId4" cstate="print">
+            <a:extLst>
+              <a:ext uri="{28A0092B-C50C-407E-A947-70E740481C1C}">
+                <a14:useLocalDpi xmlns:a14="http://schemas.microsoft.com/office/drawing/2010/main" val="0"/>
+              </a:ext>
+            </a:extLst>
+          </a:blip>
+          <a:stretch>
+            <a:fillRect/>
+          </a:stretch>
+        </p:blipFill>
+        <p:spPr>
+          <a:xfrm>
+            <a:off x="6243313" y="1274921"/>
+            <a:ext cx="2274425" cy="4802187"/>
+          </a:xfrm>
+          <a:prstGeom prst="rect">
+            <a:avLst/>
+          </a:prstGeom>
+        </p:spPr>
+      </p:pic>
+      <p:pic>
+        <p:nvPicPr>
+          <p:cNvPr id="8" name="Picture 7">
+            <a:extLst>
+              <a:ext uri="{FF2B5EF4-FFF2-40B4-BE49-F238E27FC236}">
+                <a16:creationId xmlns:a16="http://schemas.microsoft.com/office/drawing/2014/main" id="{41AFCF9B-57BB-3069-BD72-B3FA28E4696D}"/>
+              </a:ext>
+            </a:extLst>
+          </p:cNvPr>
+          <p:cNvPicPr>
+            <a:picLocks noChangeAspect="1"/>
+          </p:cNvPicPr>
+          <p:nvPr/>
+        </p:nvPicPr>
+        <p:blipFill>
+          <a:blip r:embed="rId5" cstate="print">
+            <a:extLst>
+              <a:ext uri="{28A0092B-C50C-407E-A947-70E740481C1C}">
+                <a14:useLocalDpi xmlns:a14="http://schemas.microsoft.com/office/drawing/2010/main" val="0"/>
+              </a:ext>
+            </a:extLst>
+          </a:blip>
+          <a:stretch>
+            <a:fillRect/>
+          </a:stretch>
+        </p:blipFill>
+        <p:spPr>
+          <a:xfrm>
+            <a:off x="8878801" y="1274921"/>
+            <a:ext cx="2368074" cy="4802187"/>
           </a:xfrm>
           <a:prstGeom prst="rect">
             <a:avLst/>
@@ -4515,7 +4696,7 @@
     </p:spTree>
     <p:extLst>
       <p:ext uri="{BB962C8B-B14F-4D97-AF65-F5344CB8AC3E}">
-        <p14:creationId xmlns:p14="http://schemas.microsoft.com/office/powerpoint/2010/main" val="3784814962"/>
+        <p14:creationId xmlns:p14="http://schemas.microsoft.com/office/powerpoint/2010/main" val="2730340031"/>
       </p:ext>
     </p:extLst>
   </p:cSld>
@@ -4567,20 +4748,28 @@
           <a:p>
             <a:pPr algn="ctr"/>
             <a:r>
-              <a:rPr lang="ru-RU" dirty="0"/>
+              <a:rPr lang="ru-RU" dirty="0">
+                <a:latin typeface="Times New Roman" panose="02020603050405020304" pitchFamily="18" charset="0"/>
+                <a:cs typeface="Times New Roman" panose="02020603050405020304" pitchFamily="18" charset="0"/>
+              </a:rPr>
               <a:t>Результата разработанного программа</a:t>
             </a:r>
             <a:br>
-              <a:rPr lang="en-US" dirty="0"/>
+              <a:rPr lang="en-US" dirty="0">
+                <a:latin typeface="Times New Roman" panose="02020603050405020304" pitchFamily="18" charset="0"/>
+                <a:cs typeface="Times New Roman" panose="02020603050405020304" pitchFamily="18" charset="0"/>
+              </a:rPr>
             </a:br>
-            <a:r>
-              <a:rPr lang="ru-RU" dirty="0"/>
-              <a:t>Просмотр информации о блюде </a:t>
-            </a:r>
             <a:br>
-              <a:rPr lang="en-US" dirty="0"/>
+              <a:rPr lang="en-US" dirty="0">
+                <a:latin typeface="Times New Roman" panose="02020603050405020304" pitchFamily="18" charset="0"/>
+                <a:cs typeface="Times New Roman" panose="02020603050405020304" pitchFamily="18" charset="0"/>
+              </a:rPr>
             </a:br>
-            <a:endParaRPr lang="ru-RU" sz="3600" dirty="0"/>
+            <a:endParaRPr lang="ru-RU" sz="3600" dirty="0">
+              <a:latin typeface="Times New Roman" panose="02020603050405020304" pitchFamily="18" charset="0"/>
+              <a:cs typeface="Times New Roman" panose="02020603050405020304" pitchFamily="18" charset="0"/>
+            </a:endParaRPr>
           </a:p>
         </p:txBody>
       </p:sp>
@@ -4645,8 +4834,116 @@
         </p:blipFill>
         <p:spPr>
           <a:xfrm>
-            <a:off x="4916646" y="1473834"/>
-            <a:ext cx="2358708" cy="5112819"/>
+            <a:off x="740886" y="1473834"/>
+            <a:ext cx="2252462" cy="4882516"/>
+          </a:xfrm>
+          <a:prstGeom prst="rect">
+            <a:avLst/>
+          </a:prstGeom>
+        </p:spPr>
+      </p:pic>
+      <p:pic>
+        <p:nvPicPr>
+          <p:cNvPr id="4" name="Picture 3">
+            <a:extLst>
+              <a:ext uri="{FF2B5EF4-FFF2-40B4-BE49-F238E27FC236}">
+                <a16:creationId xmlns:a16="http://schemas.microsoft.com/office/drawing/2014/main" id="{2ED572EB-5EE5-9150-E6E2-B8C86DCD7C40}"/>
+              </a:ext>
+            </a:extLst>
+          </p:cNvPr>
+          <p:cNvPicPr>
+            <a:picLocks noChangeAspect="1"/>
+          </p:cNvPicPr>
+          <p:nvPr/>
+        </p:nvPicPr>
+        <p:blipFill>
+          <a:blip r:embed="rId3">
+            <a:extLst>
+              <a:ext uri="{28A0092B-C50C-407E-A947-70E740481C1C}">
+                <a14:useLocalDpi xmlns:a14="http://schemas.microsoft.com/office/drawing/2010/main" val="0"/>
+              </a:ext>
+            </a:extLst>
+          </a:blip>
+          <a:stretch>
+            <a:fillRect/>
+          </a:stretch>
+        </p:blipFill>
+        <p:spPr>
+          <a:xfrm>
+            <a:off x="3364415" y="1473834"/>
+            <a:ext cx="2266527" cy="4912566"/>
+          </a:xfrm>
+          <a:prstGeom prst="rect">
+            <a:avLst/>
+          </a:prstGeom>
+        </p:spPr>
+      </p:pic>
+      <p:pic>
+        <p:nvPicPr>
+          <p:cNvPr id="6" name="Picture 5">
+            <a:extLst>
+              <a:ext uri="{FF2B5EF4-FFF2-40B4-BE49-F238E27FC236}">
+                <a16:creationId xmlns:a16="http://schemas.microsoft.com/office/drawing/2014/main" id="{B2408B5F-EFA8-B8AD-91A6-27B84661C244}"/>
+              </a:ext>
+            </a:extLst>
+          </p:cNvPr>
+          <p:cNvPicPr>
+            <a:picLocks noChangeAspect="1"/>
+          </p:cNvPicPr>
+          <p:nvPr/>
+        </p:nvPicPr>
+        <p:blipFill>
+          <a:blip r:embed="rId4">
+            <a:extLst>
+              <a:ext uri="{28A0092B-C50C-407E-A947-70E740481C1C}">
+                <a14:useLocalDpi xmlns:a14="http://schemas.microsoft.com/office/drawing/2010/main" val="0"/>
+              </a:ext>
+            </a:extLst>
+          </a:blip>
+          <a:stretch>
+            <a:fillRect/>
+          </a:stretch>
+        </p:blipFill>
+        <p:spPr>
+          <a:xfrm>
+            <a:off x="6002009" y="1473834"/>
+            <a:ext cx="2266527" cy="4912566"/>
+          </a:xfrm>
+          <a:prstGeom prst="rect">
+            <a:avLst/>
+          </a:prstGeom>
+        </p:spPr>
+      </p:pic>
+      <p:pic>
+        <p:nvPicPr>
+          <p:cNvPr id="7" name="Picture 6">
+            <a:extLst>
+              <a:ext uri="{FF2B5EF4-FFF2-40B4-BE49-F238E27FC236}">
+                <a16:creationId xmlns:a16="http://schemas.microsoft.com/office/drawing/2014/main" id="{B036532B-F028-B0C2-07D8-6C31D3010A5C}"/>
+              </a:ext>
+            </a:extLst>
+          </p:cNvPr>
+          <p:cNvPicPr>
+            <a:picLocks noChangeAspect="1"/>
+          </p:cNvPicPr>
+          <p:nvPr/>
+        </p:nvPicPr>
+        <p:blipFill>
+          <a:blip r:embed="rId5">
+            <a:extLst>
+              <a:ext uri="{28A0092B-C50C-407E-A947-70E740481C1C}">
+                <a14:useLocalDpi xmlns:a14="http://schemas.microsoft.com/office/drawing/2010/main" val="0"/>
+              </a:ext>
+            </a:extLst>
+          </a:blip>
+          <a:stretch>
+            <a:fillRect/>
+          </a:stretch>
+        </p:blipFill>
+        <p:spPr>
+          <a:xfrm>
+            <a:off x="8639603" y="1473834"/>
+            <a:ext cx="2366396" cy="4912566"/>
           </a:xfrm>
           <a:prstGeom prst="rect">
             <a:avLst/>
@@ -4699,7 +4996,12 @@
             <p:ph type="title"/>
           </p:nvPr>
         </p:nvSpPr>
-        <p:spPr/>
+        <p:spPr>
+          <a:xfrm>
+            <a:off x="838200" y="-18575"/>
+            <a:ext cx="10515600" cy="1325563"/>
+          </a:xfrm>
+        </p:spPr>
         <p:txBody>
           <a:bodyPr>
             <a:normAutofit/>
@@ -4708,13 +5010,16 @@
           <a:p>
             <a:pPr algn="ctr"/>
             <a:r>
-              <a:rPr lang="ru-RU" dirty="0"/>
+              <a:rPr lang="ru-RU" dirty="0">
+                <a:latin typeface="Times New Roman" panose="02020603050405020304" pitchFamily="18" charset="0"/>
+                <a:cs typeface="Times New Roman" panose="02020603050405020304" pitchFamily="18" charset="0"/>
+              </a:rPr>
               <a:t>Результата разработанного программа </a:t>
             </a:r>
-            <a:br>
-              <a:rPr lang="en-US" dirty="0"/>
-            </a:br>
-            <a:endParaRPr lang="ru-RU" sz="3600" dirty="0"/>
+            <a:endParaRPr lang="ru-RU" sz="3600" dirty="0">
+              <a:latin typeface="Times New Roman" panose="02020603050405020304" pitchFamily="18" charset="0"/>
+              <a:cs typeface="Times New Roman" panose="02020603050405020304" pitchFamily="18" charset="0"/>
+            </a:endParaRPr>
           </a:p>
         </p:txBody>
       </p:sp>
@@ -4756,7 +5061,7 @@
           <p:cNvPr id="3" name="Picture 2">
             <a:extLst>
               <a:ext uri="{FF2B5EF4-FFF2-40B4-BE49-F238E27FC236}">
-                <a16:creationId xmlns:a16="http://schemas.microsoft.com/office/drawing/2014/main" id="{8DC5EB69-1DAF-C202-FD39-C409B084BAB5}"/>
+                <a16:creationId xmlns:a16="http://schemas.microsoft.com/office/drawing/2014/main" id="{0AA4DAF6-979D-4300-DD54-3A6957E6048C}"/>
               </a:ext>
             </a:extLst>
           </p:cNvPr>
@@ -4779,8 +5084,80 @@
         </p:blipFill>
         <p:spPr>
           <a:xfrm>
-            <a:off x="4906327" y="1543368"/>
-            <a:ext cx="2266633" cy="4913214"/>
+            <a:off x="1503443" y="1586779"/>
+            <a:ext cx="2284412" cy="4952133"/>
+          </a:xfrm>
+          <a:prstGeom prst="rect">
+            <a:avLst/>
+          </a:prstGeom>
+        </p:spPr>
+      </p:pic>
+      <p:pic>
+        <p:nvPicPr>
+          <p:cNvPr id="4" name="Picture 3">
+            <a:extLst>
+              <a:ext uri="{FF2B5EF4-FFF2-40B4-BE49-F238E27FC236}">
+                <a16:creationId xmlns:a16="http://schemas.microsoft.com/office/drawing/2014/main" id="{FF449439-A3E4-6659-1324-C7C6A2EE26EE}"/>
+              </a:ext>
+            </a:extLst>
+          </p:cNvPr>
+          <p:cNvPicPr>
+            <a:picLocks noChangeAspect="1"/>
+          </p:cNvPicPr>
+          <p:nvPr/>
+        </p:nvPicPr>
+        <p:blipFill>
+          <a:blip r:embed="rId3" cstate="print">
+            <a:extLst>
+              <a:ext uri="{28A0092B-C50C-407E-A947-70E740481C1C}">
+                <a14:useLocalDpi xmlns:a14="http://schemas.microsoft.com/office/drawing/2010/main" val="0"/>
+              </a:ext>
+            </a:extLst>
+          </a:blip>
+          <a:stretch>
+            <a:fillRect/>
+          </a:stretch>
+        </p:blipFill>
+        <p:spPr>
+          <a:xfrm>
+            <a:off x="4490720" y="1560843"/>
+            <a:ext cx="2286000" cy="4955588"/>
+          </a:xfrm>
+          <a:prstGeom prst="rect">
+            <a:avLst/>
+          </a:prstGeom>
+        </p:spPr>
+      </p:pic>
+      <p:pic>
+        <p:nvPicPr>
+          <p:cNvPr id="6" name="Picture 5">
+            <a:extLst>
+              <a:ext uri="{FF2B5EF4-FFF2-40B4-BE49-F238E27FC236}">
+                <a16:creationId xmlns:a16="http://schemas.microsoft.com/office/drawing/2014/main" id="{24DB750E-D195-5427-9C60-FD19256F5205}"/>
+              </a:ext>
+            </a:extLst>
+          </p:cNvPr>
+          <p:cNvPicPr>
+            <a:picLocks noChangeAspect="1"/>
+          </p:cNvPicPr>
+          <p:nvPr/>
+        </p:nvPicPr>
+        <p:blipFill>
+          <a:blip r:embed="rId4" cstate="print">
+            <a:extLst>
+              <a:ext uri="{28A0092B-C50C-407E-A947-70E740481C1C}">
+                <a14:useLocalDpi xmlns:a14="http://schemas.microsoft.com/office/drawing/2010/main" val="0"/>
+              </a:ext>
+            </a:extLst>
+          </a:blip>
+          <a:stretch>
+            <a:fillRect/>
+          </a:stretch>
+        </p:blipFill>
+        <p:spPr>
+          <a:xfrm>
+            <a:off x="7479585" y="1586779"/>
+            <a:ext cx="2262029" cy="4903716"/>
           </a:xfrm>
           <a:prstGeom prst="rect">
             <a:avLst/>
@@ -4790,7 +5167,7 @@
     </p:spTree>
     <p:extLst>
       <p:ext uri="{BB962C8B-B14F-4D97-AF65-F5344CB8AC3E}">
-        <p14:creationId xmlns:p14="http://schemas.microsoft.com/office/powerpoint/2010/main" val="1555506913"/>
+        <p14:creationId xmlns:p14="http://schemas.microsoft.com/office/powerpoint/2010/main" val="724820734"/>
       </p:ext>
     </p:extLst>
   </p:cSld>
@@ -4819,10 +5196,105 @@
       </p:grpSpPr>
       <p:sp>
         <p:nvSpPr>
-          <p:cNvPr id="2" name="Заголовок 1">
-            <a:extLst>
-              <a:ext uri="{FF2B5EF4-FFF2-40B4-BE49-F238E27FC236}">
-                <a16:creationId xmlns:a16="http://schemas.microsoft.com/office/drawing/2014/main" id="{A9188D64-302C-0554-34D0-E426732E4B27}"/>
+          <p:cNvPr id="3" name="Content Placeholder 2">
+            <a:extLst>
+              <a:ext uri="{FF2B5EF4-FFF2-40B4-BE49-F238E27FC236}">
+                <a16:creationId xmlns:a16="http://schemas.microsoft.com/office/drawing/2014/main" id="{3BAF9F34-8531-26AB-FA88-3CB5A36FD99F}"/>
+              </a:ext>
+            </a:extLst>
+          </p:cNvPr>
+          <p:cNvSpPr>
+            <a:spLocks noGrp="1"/>
+          </p:cNvSpPr>
+          <p:nvPr>
+            <p:ph idx="1"/>
+          </p:nvPr>
+        </p:nvSpPr>
+        <p:spPr>
+          <a:xfrm>
+            <a:off x="838200" y="955040"/>
+            <a:ext cx="10515600" cy="5401309"/>
+          </a:xfrm>
+        </p:spPr>
+        <p:txBody>
+          <a:bodyPr>
+            <a:noAutofit/>
+          </a:bodyPr>
+          <a:lstStyle/>
+          <a:p>
+            <a:r>
+              <a:rPr lang="ru-RU" dirty="0"/>
+              <a:t>В ходе данной работе исследуется процесс разработки мобильного приложения</a:t>
+            </a:r>
+            <a:endParaRPr lang="en-US" dirty="0"/>
+          </a:p>
+          <a:p>
+            <a:r>
+              <a:rPr lang="ru-RU" dirty="0"/>
+              <a:t>В первом разделе проводится исследование выбранной предметной области. Проведен анализ существующих аналогов.</a:t>
+            </a:r>
+          </a:p>
+          <a:p>
+            <a:r>
+              <a:rPr lang="ru-RU" dirty="0"/>
+              <a:t>Во втором разделе рассматриваются основные технологии и инструменты, используемые при разработке мобильных приложений.</a:t>
+            </a:r>
+          </a:p>
+          <a:p>
+            <a:r>
+              <a:rPr lang="ru-RU" dirty="0"/>
+              <a:t>В третьем разделе рассматривается реализация программы: структура программы, реализация базы данных и пользовательского интерфейса.</a:t>
+            </a:r>
+          </a:p>
+          <a:p>
+            <a:r>
+              <a:rPr lang="ru-RU" dirty="0"/>
+              <a:t>В четвертом разделе анализируются применяемые методы тестирования.</a:t>
+            </a:r>
+          </a:p>
+          <a:p>
+            <a:pPr marL="0" indent="0">
+              <a:buNone/>
+            </a:pPr>
+            <a:endParaRPr lang="en-NG" dirty="0"/>
+          </a:p>
+        </p:txBody>
+      </p:sp>
+      <p:sp>
+        <p:nvSpPr>
+          <p:cNvPr id="4" name="Slide Number Placeholder 3">
+            <a:extLst>
+              <a:ext uri="{FF2B5EF4-FFF2-40B4-BE49-F238E27FC236}">
+                <a16:creationId xmlns:a16="http://schemas.microsoft.com/office/drawing/2014/main" id="{B81E042A-A42A-BAA7-7E7C-E6110FCCD8BE}"/>
+              </a:ext>
+            </a:extLst>
+          </p:cNvPr>
+          <p:cNvSpPr>
+            <a:spLocks noGrp="1"/>
+          </p:cNvSpPr>
+          <p:nvPr>
+            <p:ph type="sldNum" sz="quarter" idx="12"/>
+          </p:nvPr>
+        </p:nvSpPr>
+        <p:spPr/>
+        <p:txBody>
+          <a:bodyPr/>
+          <a:lstStyle/>
+          <a:p>
+            <a:fld id="{A88324F3-E932-4F19-A21A-29BF31A0B8AF}" type="slidenum">
+              <a:rPr lang="ru-RU" smtClean="0"/>
+              <a:t>16</a:t>
+            </a:fld>
+            <a:endParaRPr lang="ru-RU"/>
+          </a:p>
+        </p:txBody>
+      </p:sp>
+      <p:sp>
+        <p:nvSpPr>
+          <p:cNvPr id="7" name="Заголовок 1">
+            <a:extLst>
+              <a:ext uri="{FF2B5EF4-FFF2-40B4-BE49-F238E27FC236}">
+                <a16:creationId xmlns:a16="http://schemas.microsoft.com/office/drawing/2014/main" id="{A4AF94A6-1CA1-D3DA-F740-43A327B4FE0E}"/>
               </a:ext>
             </a:extLst>
           </p:cNvPr>
@@ -4833,7 +5305,12 @@
             <p:ph type="title"/>
           </p:nvPr>
         </p:nvSpPr>
-        <p:spPr/>
+        <p:spPr>
+          <a:xfrm>
+            <a:off x="838200" y="89377"/>
+            <a:ext cx="10515600" cy="865664"/>
+          </a:xfrm>
+        </p:spPr>
         <p:txBody>
           <a:bodyPr>
             <a:normAutofit/>
@@ -4842,89 +5319,27 @@
           <a:p>
             <a:pPr algn="ctr"/>
             <a:r>
-              <a:rPr lang="ru-RU" dirty="0"/>
-              <a:t>Результата разработанного программа </a:t>
-            </a:r>
-            <a:br>
-              <a:rPr lang="en-US" dirty="0"/>
-            </a:br>
-            <a:endParaRPr lang="ru-RU" sz="3600" dirty="0"/>
-          </a:p>
-        </p:txBody>
-      </p:sp>
-      <p:sp>
-        <p:nvSpPr>
-          <p:cNvPr id="5" name="Slide Number Placeholder 4">
-            <a:extLst>
-              <a:ext uri="{FF2B5EF4-FFF2-40B4-BE49-F238E27FC236}">
-                <a16:creationId xmlns:a16="http://schemas.microsoft.com/office/drawing/2014/main" id="{1AA59838-9716-6C89-7D39-FD2C6E190535}"/>
-              </a:ext>
-            </a:extLst>
-          </p:cNvPr>
-          <p:cNvSpPr>
-            <a:spLocks noGrp="1"/>
-          </p:cNvSpPr>
-          <p:nvPr>
-            <p:ph type="sldNum" sz="quarter" idx="12"/>
-          </p:nvPr>
-        </p:nvSpPr>
-        <p:spPr/>
-        <p:txBody>
-          <a:bodyPr/>
-          <a:lstStyle/>
-          <a:p>
-            <a:fld id="{A88324F3-E932-4F19-A21A-29BF31A0B8AF}" type="slidenum">
-              <a:rPr lang="ru-RU" sz="2000" smtClean="0">
-                <a:latin typeface="Arial Black" panose="020B0A04020102020204" pitchFamily="34" charset="0"/>
+              <a:rPr lang="ru-RU" sz="4000" b="0" i="0" dirty="0">
+                <a:solidFill>
+                  <a:srgbClr val="1A1A1A"/>
+                </a:solidFill>
+                <a:effectLst/>
+                <a:latin typeface="Times New Roman" panose="02020603050405020304" pitchFamily="18" charset="0"/>
+                <a:cs typeface="Times New Roman" panose="02020603050405020304" pitchFamily="18" charset="0"/>
               </a:rPr>
-              <a:t>16</a:t>
-            </a:fld>
-            <a:endParaRPr lang="ru-RU" sz="2000" dirty="0">
-              <a:latin typeface="Arial Black" panose="020B0A04020102020204" pitchFamily="34" charset="0"/>
+              <a:t>Выводы по работе</a:t>
+            </a:r>
+            <a:endParaRPr lang="ru-RU" sz="4000" dirty="0">
+              <a:latin typeface="Times New Roman" panose="02020603050405020304" pitchFamily="18" charset="0"/>
+              <a:cs typeface="Times New Roman" panose="02020603050405020304" pitchFamily="18" charset="0"/>
             </a:endParaRPr>
           </a:p>
         </p:txBody>
       </p:sp>
-      <p:pic>
-        <p:nvPicPr>
-          <p:cNvPr id="3" name="Picture 2">
-            <a:extLst>
-              <a:ext uri="{FF2B5EF4-FFF2-40B4-BE49-F238E27FC236}">
-                <a16:creationId xmlns:a16="http://schemas.microsoft.com/office/drawing/2014/main" id="{0AA4DAF6-979D-4300-DD54-3A6957E6048C}"/>
-              </a:ext>
-            </a:extLst>
-          </p:cNvPr>
-          <p:cNvPicPr>
-            <a:picLocks noChangeAspect="1"/>
-          </p:cNvPicPr>
-          <p:nvPr/>
-        </p:nvPicPr>
-        <p:blipFill>
-          <a:blip r:embed="rId2" cstate="print">
-            <a:extLst>
-              <a:ext uri="{28A0092B-C50C-407E-A947-70E740481C1C}">
-                <a14:useLocalDpi xmlns:a14="http://schemas.microsoft.com/office/drawing/2010/main" val="0"/>
-              </a:ext>
-            </a:extLst>
-          </a:blip>
-          <a:stretch>
-            <a:fillRect/>
-          </a:stretch>
-        </p:blipFill>
-        <p:spPr>
-          <a:xfrm>
-            <a:off x="4979987" y="1638234"/>
-            <a:ext cx="2232025" cy="4838569"/>
-          </a:xfrm>
-          <a:prstGeom prst="rect">
-            <a:avLst/>
-          </a:prstGeom>
-        </p:spPr>
-      </p:pic>
     </p:spTree>
     <p:extLst>
       <p:ext uri="{BB962C8B-B14F-4D97-AF65-F5344CB8AC3E}">
-        <p14:creationId xmlns:p14="http://schemas.microsoft.com/office/powerpoint/2010/main" val="724820734"/>
+        <p14:creationId xmlns:p14="http://schemas.microsoft.com/office/powerpoint/2010/main" val="2680382943"/>
       </p:ext>
     </p:extLst>
   </p:cSld>
@@ -4956,7 +5371,7 @@
           <p:cNvPr id="2" name="Заголовок 1">
             <a:extLst>
               <a:ext uri="{FF2B5EF4-FFF2-40B4-BE49-F238E27FC236}">
-                <a16:creationId xmlns:a16="http://schemas.microsoft.com/office/drawing/2014/main" id="{A9188D64-302C-0554-34D0-E426732E4B27}"/>
+                <a16:creationId xmlns:a16="http://schemas.microsoft.com/office/drawing/2014/main" id="{916E0FC4-232C-4C8C-3EFC-A3EA332465C5}"/>
               </a:ext>
             </a:extLst>
           </p:cNvPr>
@@ -4967,31 +5382,33 @@
             <p:ph type="title"/>
           </p:nvPr>
         </p:nvSpPr>
-        <p:spPr/>
-        <p:txBody>
-          <a:bodyPr>
-            <a:normAutofit/>
-          </a:bodyPr>
+        <p:spPr>
+          <a:xfrm>
+            <a:off x="2848622" y="2766218"/>
+            <a:ext cx="6494755" cy="1325563"/>
+          </a:xfrm>
+        </p:spPr>
+        <p:txBody>
+          <a:bodyPr/>
           <a:lstStyle/>
           <a:p>
             <a:pPr algn="ctr"/>
             <a:r>
-              <a:rPr lang="ru-RU" dirty="0"/>
-              <a:t>Результата разработанного программа </a:t>
-            </a:r>
-            <a:br>
-              <a:rPr lang="en-US" dirty="0"/>
-            </a:br>
-            <a:endParaRPr lang="ru-RU" sz="3600" dirty="0"/>
-          </a:p>
-        </p:txBody>
-      </p:sp>
-      <p:sp>
-        <p:nvSpPr>
-          <p:cNvPr id="5" name="Slide Number Placeholder 4">
-            <a:extLst>
-              <a:ext uri="{FF2B5EF4-FFF2-40B4-BE49-F238E27FC236}">
-                <a16:creationId xmlns:a16="http://schemas.microsoft.com/office/drawing/2014/main" id="{1AA59838-9716-6C89-7D39-FD2C6E190535}"/>
+              <a:rPr lang="ru-RU" dirty="0">
+                <a:latin typeface="Times New Roman" panose="02020603050405020304" pitchFamily="18" charset="0"/>
+                <a:cs typeface="Times New Roman" panose="02020603050405020304" pitchFamily="18" charset="0"/>
+              </a:rPr>
+              <a:t>Спасибо за внимание!</a:t>
+            </a:r>
+          </a:p>
+        </p:txBody>
+      </p:sp>
+      <p:sp>
+        <p:nvSpPr>
+          <p:cNvPr id="4" name="Slide Number Placeholder 3">
+            <a:extLst>
+              <a:ext uri="{FF2B5EF4-FFF2-40B4-BE49-F238E27FC236}">
+                <a16:creationId xmlns:a16="http://schemas.microsoft.com/office/drawing/2014/main" id="{C89C5F8C-EE1E-AEB5-562D-A9D615B7BC5A}"/>
               </a:ext>
             </a:extLst>
           </p:cNvPr>
@@ -5019,314 +5436,10 @@
           </a:p>
         </p:txBody>
       </p:sp>
-      <p:pic>
-        <p:nvPicPr>
-          <p:cNvPr id="4" name="Picture 3">
-            <a:extLst>
-              <a:ext uri="{FF2B5EF4-FFF2-40B4-BE49-F238E27FC236}">
-                <a16:creationId xmlns:a16="http://schemas.microsoft.com/office/drawing/2014/main" id="{16996BEA-E8E5-92E6-3FCB-E79C37DE2AE2}"/>
-              </a:ext>
-            </a:extLst>
-          </p:cNvPr>
-          <p:cNvPicPr>
-            <a:picLocks noChangeAspect="1"/>
-          </p:cNvPicPr>
-          <p:nvPr/>
-        </p:nvPicPr>
-        <p:blipFill>
-          <a:blip r:embed="rId2" cstate="print">
-            <a:extLst>
-              <a:ext uri="{28A0092B-C50C-407E-A947-70E740481C1C}">
-                <a14:useLocalDpi xmlns:a14="http://schemas.microsoft.com/office/drawing/2010/main" val="0"/>
-              </a:ext>
-            </a:extLst>
-          </a:blip>
-          <a:stretch>
-            <a:fillRect/>
-          </a:stretch>
-        </p:blipFill>
-        <p:spPr>
-          <a:xfrm>
-            <a:off x="4907280" y="1339063"/>
-            <a:ext cx="2377440" cy="5153812"/>
-          </a:xfrm>
-          <a:prstGeom prst="rect">
-            <a:avLst/>
-          </a:prstGeom>
-        </p:spPr>
-      </p:pic>
     </p:spTree>
     <p:extLst>
       <p:ext uri="{BB962C8B-B14F-4D97-AF65-F5344CB8AC3E}">
-        <p14:creationId xmlns:p14="http://schemas.microsoft.com/office/powerpoint/2010/main" val="2557376397"/>
-      </p:ext>
-    </p:extLst>
-  </p:cSld>
-  <p:clrMapOvr>
-    <a:masterClrMapping/>
-  </p:clrMapOvr>
-</p:sld>
-</file>
-
-<file path=ppt/slides/slide18.xml><?xml version="1.0" encoding="utf-8"?>
-<p:sld xmlns:a="http://schemas.openxmlformats.org/drawingml/2006/main" xmlns:r="http://schemas.openxmlformats.org/officeDocument/2006/relationships" xmlns:p="http://schemas.openxmlformats.org/presentationml/2006/main">
-  <p:cSld>
-    <p:spTree>
-      <p:nvGrpSpPr>
-        <p:cNvPr id="1" name=""/>
-        <p:cNvGrpSpPr/>
-        <p:nvPr/>
-      </p:nvGrpSpPr>
-      <p:grpSpPr>
-        <a:xfrm>
-          <a:off x="0" y="0"/>
-          <a:ext cx="0" cy="0"/>
-          <a:chOff x="0" y="0"/>
-          <a:chExt cx="0" cy="0"/>
-        </a:xfrm>
-      </p:grpSpPr>
-      <p:sp>
-        <p:nvSpPr>
-          <p:cNvPr id="2" name="Заголовок 1">
-            <a:extLst>
-              <a:ext uri="{FF2B5EF4-FFF2-40B4-BE49-F238E27FC236}">
-                <a16:creationId xmlns:a16="http://schemas.microsoft.com/office/drawing/2014/main" id="{A9188D64-302C-0554-34D0-E426732E4B27}"/>
-              </a:ext>
-            </a:extLst>
-          </p:cNvPr>
-          <p:cNvSpPr>
-            <a:spLocks noGrp="1"/>
-          </p:cNvSpPr>
-          <p:nvPr>
-            <p:ph type="title"/>
-          </p:nvPr>
-        </p:nvSpPr>
-        <p:spPr/>
-        <p:txBody>
-          <a:bodyPr>
-            <a:normAutofit/>
-          </a:bodyPr>
-          <a:lstStyle/>
-          <a:p>
-            <a:pPr algn="ctr"/>
-            <a:r>
-              <a:rPr lang="ru-RU" dirty="0"/>
-              <a:t>Результата разработанного программа </a:t>
-            </a:r>
-            <a:br>
-              <a:rPr lang="en-US" dirty="0"/>
-            </a:br>
-            <a:endParaRPr lang="ru-RU" sz="3600" dirty="0"/>
-          </a:p>
-        </p:txBody>
-      </p:sp>
-      <p:sp>
-        <p:nvSpPr>
-          <p:cNvPr id="5" name="Slide Number Placeholder 4">
-            <a:extLst>
-              <a:ext uri="{FF2B5EF4-FFF2-40B4-BE49-F238E27FC236}">
-                <a16:creationId xmlns:a16="http://schemas.microsoft.com/office/drawing/2014/main" id="{1AA59838-9716-6C89-7D39-FD2C6E190535}"/>
-              </a:ext>
-            </a:extLst>
-          </p:cNvPr>
-          <p:cNvSpPr>
-            <a:spLocks noGrp="1"/>
-          </p:cNvSpPr>
-          <p:nvPr>
-            <p:ph type="sldNum" sz="quarter" idx="12"/>
-          </p:nvPr>
-        </p:nvSpPr>
-        <p:spPr/>
-        <p:txBody>
-          <a:bodyPr/>
-          <a:lstStyle/>
-          <a:p>
-            <a:fld id="{A88324F3-E932-4F19-A21A-29BF31A0B8AF}" type="slidenum">
-              <a:rPr lang="ru-RU" sz="2000" smtClean="0">
-                <a:latin typeface="Arial Black" panose="020B0A04020102020204" pitchFamily="34" charset="0"/>
-              </a:rPr>
-              <a:t>18</a:t>
-            </a:fld>
-            <a:endParaRPr lang="ru-RU" sz="2000" dirty="0">
-              <a:latin typeface="Arial Black" panose="020B0A04020102020204" pitchFamily="34" charset="0"/>
-            </a:endParaRPr>
-          </a:p>
-        </p:txBody>
-      </p:sp>
-      <p:pic>
-        <p:nvPicPr>
-          <p:cNvPr id="3" name="Picture 2">
-            <a:extLst>
-              <a:ext uri="{FF2B5EF4-FFF2-40B4-BE49-F238E27FC236}">
-                <a16:creationId xmlns:a16="http://schemas.microsoft.com/office/drawing/2014/main" id="{F1E8A0E8-5C47-526B-CDBC-30B2B66EE347}"/>
-              </a:ext>
-            </a:extLst>
-          </p:cNvPr>
-          <p:cNvPicPr>
-            <a:picLocks noChangeAspect="1"/>
-          </p:cNvPicPr>
-          <p:nvPr/>
-        </p:nvPicPr>
-        <p:blipFill>
-          <a:blip r:embed="rId2" cstate="print">
-            <a:extLst>
-              <a:ext uri="{28A0092B-C50C-407E-A947-70E740481C1C}">
-                <a14:useLocalDpi xmlns:a14="http://schemas.microsoft.com/office/drawing/2010/main" val="0"/>
-              </a:ext>
-            </a:extLst>
-          </a:blip>
-          <a:stretch>
-            <a:fillRect/>
-          </a:stretch>
-        </p:blipFill>
-        <p:spPr>
-          <a:xfrm>
-            <a:off x="4961731" y="1543049"/>
-            <a:ext cx="2268538" cy="4917826"/>
-          </a:xfrm>
-          <a:prstGeom prst="rect">
-            <a:avLst/>
-          </a:prstGeom>
-        </p:spPr>
-      </p:pic>
-    </p:spTree>
-    <p:extLst>
-      <p:ext uri="{BB962C8B-B14F-4D97-AF65-F5344CB8AC3E}">
-        <p14:creationId xmlns:p14="http://schemas.microsoft.com/office/powerpoint/2010/main" val="2241659284"/>
-      </p:ext>
-    </p:extLst>
-  </p:cSld>
-  <p:clrMapOvr>
-    <a:masterClrMapping/>
-  </p:clrMapOvr>
-</p:sld>
-</file>
-
-<file path=ppt/slides/slide19.xml><?xml version="1.0" encoding="utf-8"?>
-<p:sld xmlns:a="http://schemas.openxmlformats.org/drawingml/2006/main" xmlns:r="http://schemas.openxmlformats.org/officeDocument/2006/relationships" xmlns:p="http://schemas.openxmlformats.org/presentationml/2006/main">
-  <p:cSld>
-    <p:spTree>
-      <p:nvGrpSpPr>
-        <p:cNvPr id="1" name=""/>
-        <p:cNvGrpSpPr/>
-        <p:nvPr/>
-      </p:nvGrpSpPr>
-      <p:grpSpPr>
-        <a:xfrm>
-          <a:off x="0" y="0"/>
-          <a:ext cx="0" cy="0"/>
-          <a:chOff x="0" y="0"/>
-          <a:chExt cx="0" cy="0"/>
-        </a:xfrm>
-      </p:grpSpPr>
-      <p:sp>
-        <p:nvSpPr>
-          <p:cNvPr id="2" name="Заголовок 1">
-            <a:extLst>
-              <a:ext uri="{FF2B5EF4-FFF2-40B4-BE49-F238E27FC236}">
-                <a16:creationId xmlns:a16="http://schemas.microsoft.com/office/drawing/2014/main" id="{A9188D64-302C-0554-34D0-E426732E4B27}"/>
-              </a:ext>
-            </a:extLst>
-          </p:cNvPr>
-          <p:cNvSpPr>
-            <a:spLocks noGrp="1"/>
-          </p:cNvSpPr>
-          <p:nvPr>
-            <p:ph type="title"/>
-          </p:nvPr>
-        </p:nvSpPr>
-        <p:spPr/>
-        <p:txBody>
-          <a:bodyPr>
-            <a:normAutofit/>
-          </a:bodyPr>
-          <a:lstStyle/>
-          <a:p>
-            <a:pPr algn="ctr"/>
-            <a:r>
-              <a:rPr lang="ru-RU" dirty="0"/>
-              <a:t>Результата разработанного программа </a:t>
-            </a:r>
-            <a:br>
-              <a:rPr lang="en-US" dirty="0"/>
-            </a:br>
-            <a:endParaRPr lang="ru-RU" sz="3600" dirty="0"/>
-          </a:p>
-        </p:txBody>
-      </p:sp>
-      <p:sp>
-        <p:nvSpPr>
-          <p:cNvPr id="5" name="Slide Number Placeholder 4">
-            <a:extLst>
-              <a:ext uri="{FF2B5EF4-FFF2-40B4-BE49-F238E27FC236}">
-                <a16:creationId xmlns:a16="http://schemas.microsoft.com/office/drawing/2014/main" id="{1AA59838-9716-6C89-7D39-FD2C6E190535}"/>
-              </a:ext>
-            </a:extLst>
-          </p:cNvPr>
-          <p:cNvSpPr>
-            <a:spLocks noGrp="1"/>
-          </p:cNvSpPr>
-          <p:nvPr>
-            <p:ph type="sldNum" sz="quarter" idx="12"/>
-          </p:nvPr>
-        </p:nvSpPr>
-        <p:spPr/>
-        <p:txBody>
-          <a:bodyPr/>
-          <a:lstStyle/>
-          <a:p>
-            <a:fld id="{A88324F3-E932-4F19-A21A-29BF31A0B8AF}" type="slidenum">
-              <a:rPr lang="ru-RU" sz="2000" smtClean="0">
-                <a:latin typeface="Arial Black" panose="020B0A04020102020204" pitchFamily="34" charset="0"/>
-              </a:rPr>
-              <a:t>19</a:t>
-            </a:fld>
-            <a:endParaRPr lang="ru-RU" sz="2000" dirty="0">
-              <a:latin typeface="Arial Black" panose="020B0A04020102020204" pitchFamily="34" charset="0"/>
-            </a:endParaRPr>
-          </a:p>
-        </p:txBody>
-      </p:sp>
-      <p:pic>
-        <p:nvPicPr>
-          <p:cNvPr id="3" name="Picture 2">
-            <a:extLst>
-              <a:ext uri="{FF2B5EF4-FFF2-40B4-BE49-F238E27FC236}">
-                <a16:creationId xmlns:a16="http://schemas.microsoft.com/office/drawing/2014/main" id="{300FB316-9F90-74F0-0DBB-AFF3F2FDCCA5}"/>
-              </a:ext>
-            </a:extLst>
-          </p:cNvPr>
-          <p:cNvPicPr>
-            <a:picLocks noChangeAspect="1"/>
-          </p:cNvPicPr>
-          <p:nvPr/>
-        </p:nvPicPr>
-        <p:blipFill>
-          <a:blip r:embed="rId2" cstate="print">
-            <a:extLst>
-              <a:ext uri="{28A0092B-C50C-407E-A947-70E740481C1C}">
-                <a14:useLocalDpi xmlns:a14="http://schemas.microsoft.com/office/drawing/2010/main" val="0"/>
-              </a:ext>
-            </a:extLst>
-          </a:blip>
-          <a:stretch>
-            <a:fillRect/>
-          </a:stretch>
-        </p:blipFill>
-        <p:spPr>
-          <a:xfrm>
-            <a:off x="5136197" y="1348740"/>
-            <a:ext cx="2402523" cy="5207188"/>
-          </a:xfrm>
-          <a:prstGeom prst="rect">
-            <a:avLst/>
-          </a:prstGeom>
-        </p:spPr>
-      </p:pic>
-    </p:spTree>
-    <p:extLst>
-      <p:ext uri="{BB962C8B-B14F-4D97-AF65-F5344CB8AC3E}">
-        <p14:creationId xmlns:p14="http://schemas.microsoft.com/office/powerpoint/2010/main" val="3342359145"/>
+        <p14:creationId xmlns:p14="http://schemas.microsoft.com/office/powerpoint/2010/main" val="1963715609"/>
       </p:ext>
     </p:extLst>
   </p:cSld>
@@ -5376,7 +5489,10 @@
           <a:p>
             <a:pPr algn="ctr"/>
             <a:r>
-              <a:rPr lang="ru-RU" dirty="0"/>
+              <a:rPr lang="ru-RU" dirty="0">
+                <a:latin typeface="Times New Roman" panose="02020603050405020304" pitchFamily="18" charset="0"/>
+                <a:cs typeface="Times New Roman" panose="02020603050405020304" pitchFamily="18" charset="0"/>
+              </a:rPr>
               <a:t>Актуальность работы</a:t>
             </a:r>
           </a:p>
@@ -5452,139 +5568,6 @@
     <p:extLst>
       <p:ext uri="{BB962C8B-B14F-4D97-AF65-F5344CB8AC3E}">
         <p14:creationId xmlns:p14="http://schemas.microsoft.com/office/powerpoint/2010/main" val="3727082015"/>
-      </p:ext>
-    </p:extLst>
-  </p:cSld>
-  <p:clrMapOvr>
-    <a:masterClrMapping/>
-  </p:clrMapOvr>
-</p:sld>
-</file>
-
-<file path=ppt/slides/slide20.xml><?xml version="1.0" encoding="utf-8"?>
-<p:sld xmlns:a="http://schemas.openxmlformats.org/drawingml/2006/main" xmlns:r="http://schemas.openxmlformats.org/officeDocument/2006/relationships" xmlns:p="http://schemas.openxmlformats.org/presentationml/2006/main">
-  <p:cSld>
-    <p:spTree>
-      <p:nvGrpSpPr>
-        <p:cNvPr id="1" name=""/>
-        <p:cNvGrpSpPr/>
-        <p:nvPr/>
-      </p:nvGrpSpPr>
-      <p:grpSpPr>
-        <a:xfrm>
-          <a:off x="0" y="0"/>
-          <a:ext cx="0" cy="0"/>
-          <a:chOff x="0" y="0"/>
-          <a:chExt cx="0" cy="0"/>
-        </a:xfrm>
-      </p:grpSpPr>
-      <p:sp>
-        <p:nvSpPr>
-          <p:cNvPr id="2" name="Заголовок 1">
-            <a:extLst>
-              <a:ext uri="{FF2B5EF4-FFF2-40B4-BE49-F238E27FC236}">
-                <a16:creationId xmlns:a16="http://schemas.microsoft.com/office/drawing/2014/main" id="{916E0FC4-232C-4C8C-3EFC-A3EA332465C5}"/>
-              </a:ext>
-            </a:extLst>
-          </p:cNvPr>
-          <p:cNvSpPr>
-            <a:spLocks noGrp="1"/>
-          </p:cNvSpPr>
-          <p:nvPr>
-            <p:ph type="title"/>
-          </p:nvPr>
-        </p:nvSpPr>
-        <p:spPr>
-          <a:xfrm>
-            <a:off x="2777502" y="1404778"/>
-            <a:ext cx="6494755" cy="1325563"/>
-          </a:xfrm>
-        </p:spPr>
-        <p:txBody>
-          <a:bodyPr/>
-          <a:lstStyle/>
-          <a:p>
-            <a:pPr algn="ctr"/>
-            <a:r>
-              <a:rPr lang="ru-RU" dirty="0"/>
-              <a:t>Спасибо за внимание!</a:t>
-            </a:r>
-          </a:p>
-        </p:txBody>
-      </p:sp>
-      <p:sp>
-        <p:nvSpPr>
-          <p:cNvPr id="4" name="Slide Number Placeholder 3">
-            <a:extLst>
-              <a:ext uri="{FF2B5EF4-FFF2-40B4-BE49-F238E27FC236}">
-                <a16:creationId xmlns:a16="http://schemas.microsoft.com/office/drawing/2014/main" id="{C89C5F8C-EE1E-AEB5-562D-A9D615B7BC5A}"/>
-              </a:ext>
-            </a:extLst>
-          </p:cNvPr>
-          <p:cNvSpPr>
-            <a:spLocks noGrp="1"/>
-          </p:cNvSpPr>
-          <p:nvPr>
-            <p:ph type="sldNum" sz="quarter" idx="12"/>
-          </p:nvPr>
-        </p:nvSpPr>
-        <p:spPr/>
-        <p:txBody>
-          <a:bodyPr/>
-          <a:lstStyle/>
-          <a:p>
-            <a:fld id="{A88324F3-E932-4F19-A21A-29BF31A0B8AF}" type="slidenum">
-              <a:rPr lang="ru-RU" sz="2000" smtClean="0">
-                <a:latin typeface="Arial Black" panose="020B0A04020102020204" pitchFamily="34" charset="0"/>
-              </a:rPr>
-              <a:t>20</a:t>
-            </a:fld>
-            <a:endParaRPr lang="ru-RU" sz="2000" dirty="0">
-              <a:latin typeface="Arial Black" panose="020B0A04020102020204" pitchFamily="34" charset="0"/>
-            </a:endParaRPr>
-          </a:p>
-        </p:txBody>
-      </p:sp>
-      <p:pic>
-        <p:nvPicPr>
-          <p:cNvPr id="5" name="Picture 4">
-            <a:extLst>
-              <a:ext uri="{FF2B5EF4-FFF2-40B4-BE49-F238E27FC236}">
-                <a16:creationId xmlns:a16="http://schemas.microsoft.com/office/drawing/2014/main" id="{A567B96E-C716-569E-3D9B-BDC854E097E2}"/>
-              </a:ext>
-            </a:extLst>
-          </p:cNvPr>
-          <p:cNvPicPr>
-            <a:picLocks noChangeAspect="1"/>
-          </p:cNvPicPr>
-          <p:nvPr/>
-        </p:nvPicPr>
-        <p:blipFill>
-          <a:blip r:embed="rId2">
-            <a:extLst>
-              <a:ext uri="{28A0092B-C50C-407E-A947-70E740481C1C}">
-                <a14:useLocalDpi xmlns:a14="http://schemas.microsoft.com/office/drawing/2010/main" val="0"/>
-              </a:ext>
-            </a:extLst>
-          </a:blip>
-          <a:stretch>
-            <a:fillRect/>
-          </a:stretch>
-        </p:blipFill>
-        <p:spPr>
-          <a:xfrm>
-            <a:off x="4109720" y="2575559"/>
-            <a:ext cx="3500120" cy="3574591"/>
-          </a:xfrm>
-          <a:prstGeom prst="rect">
-            <a:avLst/>
-          </a:prstGeom>
-        </p:spPr>
-      </p:pic>
-    </p:spTree>
-    <p:extLst>
-      <p:ext uri="{BB962C8B-B14F-4D97-AF65-F5344CB8AC3E}">
-        <p14:creationId xmlns:p14="http://schemas.microsoft.com/office/powerpoint/2010/main" val="1963715609"/>
       </p:ext>
     </p:extLst>
   </p:cSld>
@@ -5634,7 +5617,10 @@
           <a:p>
             <a:pPr algn="ctr"/>
             <a:r>
-              <a:rPr lang="ru-RU" dirty="0"/>
+              <a:rPr lang="ru-RU" dirty="0">
+                <a:latin typeface="Times New Roman" panose="02020603050405020304" pitchFamily="18" charset="0"/>
+                <a:cs typeface="Times New Roman" panose="02020603050405020304" pitchFamily="18" charset="0"/>
+              </a:rPr>
               <a:t>Объект и предмет исследования</a:t>
             </a:r>
           </a:p>
@@ -5663,43 +5649,35 @@
           </a:bodyPr>
           <a:lstStyle/>
           <a:p>
-            <a:pPr marL="0" indent="0">
+            <a:pPr marL="0" indent="0" algn="just">
               <a:buNone/>
               <a:defRPr/>
             </a:pPr>
             <a:r>
-              <a:rPr kumimoji="0" lang="ru-RU" sz="3600" b="0" i="0" u="none" strike="noStrike" kern="1200" cap="none" spc="0" normalizeH="0" baseline="0" noProof="0" dirty="0">
-                <a:ln>
-                  <a:noFill/>
-                </a:ln>
-                <a:solidFill>
-                  <a:prstClr val="black"/>
-                </a:solidFill>
-                <a:effectLst/>
-                <a:uLnTx/>
-                <a:uFillTx/>
-                <a:latin typeface="Calibri" panose="020F0502020204030204"/>
-                <a:ea typeface="+mn-ea"/>
-                <a:cs typeface="+mn-cs"/>
-              </a:rPr>
-              <a:t>Объект исследования: </a:t>
-            </a:r>
-            <a:r>
-              <a:rPr lang="ru-RU" sz="3600" dirty="0">
-                <a:effectLst/>
-                <a:ea typeface="Times New Roman" panose="02020603050405020304" pitchFamily="18" charset="0"/>
-              </a:rPr>
-              <a:t>заказ и доставки еды</a:t>
-            </a:r>
-            <a:r>
-              <a:rPr lang="en-NG" sz="3600" dirty="0">
-                <a:effectLst/>
-              </a:rPr>
-              <a:t> </a:t>
-            </a:r>
-            <a:r>
-              <a:rPr lang="ru-RU" sz="3600" dirty="0"/>
-              <a:t>Предмет исследования: упрощение заказа еды</a:t>
+              <a:rPr lang="ru-RU" sz="3600" b="1" dirty="0"/>
+              <a:t>Объектом </a:t>
+            </a:r>
+            <a:r>
+              <a:rPr lang="ru-RU" sz="3200" b="1" dirty="0"/>
+              <a:t>исследования </a:t>
+            </a:r>
+            <a:r>
+              <a:rPr lang="ru-RU" sz="3200" dirty="0"/>
+              <a:t>в работе является процесс разработки мобильного приложения для заказа и доставки еды.</a:t>
+            </a:r>
+          </a:p>
+          <a:p>
+            <a:pPr marL="0" indent="0" algn="just">
+              <a:buNone/>
+              <a:defRPr/>
+            </a:pPr>
+            <a:r>
+              <a:rPr lang="ru-RU" sz="3200" b="1" dirty="0"/>
+              <a:t>Предметом исследования </a:t>
+            </a:r>
+            <a:r>
+              <a:rPr lang="ru-RU" sz="3200" dirty="0"/>
+              <a:t>является технологии, методы и инструменты, используемые при разработке приложения, а также его функциональность и интерфейс, который должен удовлетворять потребностям пользователей </a:t>
             </a:r>
           </a:p>
           <a:p>
@@ -5847,7 +5825,10 @@
           <a:p>
             <a:pPr algn="ctr"/>
             <a:r>
-              <a:rPr lang="ru-RU" dirty="0"/>
+              <a:rPr lang="ru-RU" dirty="0">
+                <a:latin typeface="Times New Roman" panose="02020603050405020304" pitchFamily="18" charset="0"/>
+                <a:cs typeface="Times New Roman" panose="02020603050405020304" pitchFamily="18" charset="0"/>
+              </a:rPr>
               <a:t>Цель работы</a:t>
             </a:r>
           </a:p>
@@ -6007,7 +5988,10 @@
           <a:p>
             <a:pPr algn="ctr"/>
             <a:r>
-              <a:rPr lang="ru-RU" dirty="0"/>
+              <a:rPr lang="ru-RU" dirty="0">
+                <a:latin typeface="Times New Roman" panose="02020603050405020304" pitchFamily="18" charset="0"/>
+                <a:cs typeface="Times New Roman" panose="02020603050405020304" pitchFamily="18" charset="0"/>
+              </a:rPr>
               <a:t>Задачи исследования</a:t>
             </a:r>
           </a:p>
@@ -6041,6 +6025,7 @@
           </a:bodyPr>
           <a:lstStyle/>
           <a:p>
+            <a:pPr algn="just"/>
             <a:r>
               <a:rPr lang="ru-RU" sz="3600" dirty="0"/>
               <a:t>Изучить существующие системы </a:t>
@@ -6061,18 +6046,21 @@
             <a:endParaRPr lang="ru-RU" sz="3600" dirty="0"/>
           </a:p>
           <a:p>
+            <a:pPr algn="just"/>
             <a:r>
               <a:rPr lang="ru-RU" sz="3600" dirty="0"/>
               <a:t>Изучить технологии реализации мобильного приложения</a:t>
             </a:r>
           </a:p>
           <a:p>
+            <a:pPr algn="just"/>
             <a:r>
               <a:rPr lang="ru-RU" sz="3600" dirty="0"/>
               <a:t>Изучить технологии тестирования приложения</a:t>
             </a:r>
           </a:p>
           <a:p>
+            <a:pPr algn="just"/>
             <a:r>
               <a:rPr lang="ru-RU" sz="3600" dirty="0"/>
               <a:t>Разработать приложение для </a:t>
@@ -6093,6 +6081,7 @@
             <a:endParaRPr lang="ru-RU" sz="3600" dirty="0"/>
           </a:p>
           <a:p>
+            <a:pPr algn="just"/>
             <a:r>
               <a:rPr lang="ru-RU" sz="3600" dirty="0"/>
               <a:t>Протестировать разработанное приложение</a:t>
@@ -6198,7 +6187,10 @@
           <a:p>
             <a:pPr algn="ctr"/>
             <a:r>
-              <a:rPr lang="ru-RU" dirty="0"/>
+              <a:rPr lang="ru-RU" dirty="0">
+                <a:latin typeface="Times New Roman" panose="02020603050405020304" pitchFamily="18" charset="0"/>
+                <a:cs typeface="Times New Roman" panose="02020603050405020304" pitchFamily="18" charset="0"/>
+              </a:rPr>
               <a:t>Существующие решения</a:t>
             </a:r>
           </a:p>
@@ -6253,7 +6245,7 @@
             <p:ph idx="1"/>
             <p:extLst>
               <p:ext uri="{D42A27DB-BD31-4B8C-83A1-F6EECF244321}">
-                <p14:modId xmlns:p14="http://schemas.microsoft.com/office/powerpoint/2010/main" val="4242005606"/>
+                <p14:modId xmlns:p14="http://schemas.microsoft.com/office/powerpoint/2010/main" val="2372035630"/>
               </p:ext>
             </p:extLst>
           </p:nvPr>
@@ -6672,7 +6664,7 @@
                       <a:pPr algn="ctr"/>
                       <a:r>
                         <a:rPr lang="en-US" dirty="0"/>
-                        <a:t>-</a:t>
+                        <a:t>+</a:t>
                       </a:r>
                       <a:endParaRPr lang="ru-RU" dirty="0"/>
                     </a:p>
@@ -6766,87 +6758,10 @@
       </p:grpSpPr>
       <p:sp>
         <p:nvSpPr>
-          <p:cNvPr id="2" name="Заголовок 1">
-            <a:extLst>
-              <a:ext uri="{FF2B5EF4-FFF2-40B4-BE49-F238E27FC236}">
-                <a16:creationId xmlns:a16="http://schemas.microsoft.com/office/drawing/2014/main" id="{B6F3AC18-B7BE-6D2C-040E-F56068B602C1}"/>
-              </a:ext>
-            </a:extLst>
-          </p:cNvPr>
-          <p:cNvSpPr>
-            <a:spLocks noGrp="1"/>
-          </p:cNvSpPr>
-          <p:nvPr>
-            <p:ph type="title"/>
-          </p:nvPr>
-        </p:nvSpPr>
-        <p:spPr/>
-        <p:txBody>
-          <a:bodyPr/>
-          <a:lstStyle/>
-          <a:p>
-            <a:pPr algn="ctr"/>
-            <a:r>
-              <a:rPr lang="ru-RU" dirty="0"/>
-              <a:t>Предлагаемое решение</a:t>
-            </a:r>
-          </a:p>
-        </p:txBody>
-      </p:sp>
-      <p:sp>
-        <p:nvSpPr>
-          <p:cNvPr id="3" name="Объект 2">
-            <a:extLst>
-              <a:ext uri="{FF2B5EF4-FFF2-40B4-BE49-F238E27FC236}">
-                <a16:creationId xmlns:a16="http://schemas.microsoft.com/office/drawing/2014/main" id="{F14511E0-EB9A-B164-D036-3BCFD1B8516A}"/>
-              </a:ext>
-            </a:extLst>
-          </p:cNvPr>
-          <p:cNvSpPr>
-            <a:spLocks noGrp="1"/>
-          </p:cNvSpPr>
-          <p:nvPr>
-            <p:ph idx="1"/>
-          </p:nvPr>
-        </p:nvSpPr>
-        <p:spPr/>
-        <p:txBody>
-          <a:bodyPr>
-            <a:normAutofit/>
-          </a:bodyPr>
-          <a:lstStyle/>
-          <a:p>
-            <a:pPr marL="0" indent="0" algn="ctr">
-              <a:buNone/>
-            </a:pPr>
-            <a:r>
-              <a:rPr lang="ru-RU" sz="3600" dirty="0"/>
-              <a:t>В качестве решения предлагается создание мобильного приложения</a:t>
-            </a:r>
-            <a:r>
-              <a:rPr lang="ru-RU" sz="3600" dirty="0">
-                <a:effectLst/>
-                <a:ea typeface="Times New Roman" panose="02020603050405020304" pitchFamily="18" charset="0"/>
-              </a:rPr>
-              <a:t>, которая свяжет клиентов с широким спектром местных ресторанов, позволяя им в любое время заказать свои любимые блюда из полного меню</a:t>
-            </a:r>
-            <a:r>
-              <a:rPr lang="en-US" sz="3600" dirty="0">
-                <a:effectLst/>
-                <a:ea typeface="Times New Roman" panose="02020603050405020304" pitchFamily="18" charset="0"/>
-              </a:rPr>
-              <a:t>.</a:t>
-            </a:r>
-            <a:endParaRPr lang="ru-RU" sz="3600" dirty="0"/>
-          </a:p>
-        </p:txBody>
-      </p:sp>
-      <p:sp>
-        <p:nvSpPr>
           <p:cNvPr id="5" name="Slide Number Placeholder 4">
             <a:extLst>
               <a:ext uri="{FF2B5EF4-FFF2-40B4-BE49-F238E27FC236}">
-                <a16:creationId xmlns:a16="http://schemas.microsoft.com/office/drawing/2014/main" id="{485896B0-DEF2-8580-74B5-A7B67447F8BC}"/>
+                <a16:creationId xmlns:a16="http://schemas.microsoft.com/office/drawing/2014/main" id="{FF8DE748-97DE-F6A0-0F82-1C0240416E65}"/>
               </a:ext>
             </a:extLst>
           </p:cNvPr>
@@ -6874,10 +6789,92 @@
           </a:p>
         </p:txBody>
       </p:sp>
+      <p:sp>
+        <p:nvSpPr>
+          <p:cNvPr id="9" name="TextBox 8">
+            <a:extLst>
+              <a:ext uri="{FF2B5EF4-FFF2-40B4-BE49-F238E27FC236}">
+                <a16:creationId xmlns:a16="http://schemas.microsoft.com/office/drawing/2014/main" id="{7C4E92D3-BD1C-4F1D-C215-2D878A2464A6}"/>
+              </a:ext>
+            </a:extLst>
+          </p:cNvPr>
+          <p:cNvSpPr txBox="1"/>
+          <p:nvPr/>
+        </p:nvSpPr>
+        <p:spPr>
+          <a:xfrm>
+            <a:off x="710499" y="136525"/>
+            <a:ext cx="11157221" cy="584775"/>
+          </a:xfrm>
+          <a:prstGeom prst="rect">
+            <a:avLst/>
+          </a:prstGeom>
+          <a:noFill/>
+        </p:spPr>
+        <p:txBody>
+          <a:bodyPr wrap="none" rtlCol="0">
+            <a:spAutoFit/>
+          </a:bodyPr>
+          <a:lstStyle/>
+          <a:p>
+            <a:r>
+              <a:rPr lang="ru-RU" sz="3200" kern="0" dirty="0">
+                <a:effectLst/>
+                <a:latin typeface="Times New Roman" panose="02020603050405020304" pitchFamily="18" charset="0"/>
+                <a:ea typeface="Calibri" panose="020F0502020204030204" pitchFamily="34" charset="0"/>
+              </a:rPr>
+              <a:t>Функциональная структура программы в нотации языка UML</a:t>
+            </a:r>
+            <a:r>
+              <a:rPr lang="en-NG" sz="3200" dirty="0">
+                <a:effectLst/>
+              </a:rPr>
+              <a:t> </a:t>
+            </a:r>
+            <a:endParaRPr lang="en-NG" sz="3200" dirty="0"/>
+          </a:p>
+        </p:txBody>
+      </p:sp>
+      <p:pic>
+        <p:nvPicPr>
+          <p:cNvPr id="15" name="Picture 14">
+            <a:extLst>
+              <a:ext uri="{FF2B5EF4-FFF2-40B4-BE49-F238E27FC236}">
+                <a16:creationId xmlns:a16="http://schemas.microsoft.com/office/drawing/2014/main" id="{B836EBEB-7E96-4FA1-F6DF-E62776046BC2}"/>
+              </a:ext>
+            </a:extLst>
+          </p:cNvPr>
+          <p:cNvPicPr>
+            <a:picLocks noChangeAspect="1"/>
+          </p:cNvPicPr>
+          <p:nvPr/>
+        </p:nvPicPr>
+        <p:blipFill>
+          <a:blip r:embed="rId2">
+            <a:extLst>
+              <a:ext uri="{28A0092B-C50C-407E-A947-70E740481C1C}">
+                <a14:useLocalDpi xmlns:a14="http://schemas.microsoft.com/office/drawing/2010/main" val="0"/>
+              </a:ext>
+            </a:extLst>
+          </a:blip>
+          <a:stretch>
+            <a:fillRect/>
+          </a:stretch>
+        </p:blipFill>
+        <p:spPr>
+          <a:xfrm>
+            <a:off x="2115878" y="721300"/>
+            <a:ext cx="7219508" cy="6078823"/>
+          </a:xfrm>
+          <a:prstGeom prst="rect">
+            <a:avLst/>
+          </a:prstGeom>
+        </p:spPr>
+      </p:pic>
     </p:spTree>
     <p:extLst>
       <p:ext uri="{BB962C8B-B14F-4D97-AF65-F5344CB8AC3E}">
-        <p14:creationId xmlns:p14="http://schemas.microsoft.com/office/powerpoint/2010/main" val="4141227042"/>
+        <p14:creationId xmlns:p14="http://schemas.microsoft.com/office/powerpoint/2010/main" val="626026137"/>
       </p:ext>
     </p:extLst>
   </p:cSld>
@@ -6909,7 +6906,7 @@
           <p:cNvPr id="2" name="Заголовок 1">
             <a:extLst>
               <a:ext uri="{FF2B5EF4-FFF2-40B4-BE49-F238E27FC236}">
-                <a16:creationId xmlns:a16="http://schemas.microsoft.com/office/drawing/2014/main" id="{C03AF005-167D-0D45-D670-DB8D6D9EF270}"/>
+                <a16:creationId xmlns:a16="http://schemas.microsoft.com/office/drawing/2014/main" id="{3818F8B9-5C0E-C522-54CB-15D02A0210C3}"/>
               </a:ext>
             </a:extLst>
           </p:cNvPr>
@@ -6927,78 +6924,12 @@
           <a:p>
             <a:pPr algn="ctr"/>
             <a:r>
-              <a:rPr lang="ru-RU" dirty="0"/>
-              <a:t>Функциональные требования</a:t>
-            </a:r>
-          </a:p>
-        </p:txBody>
-      </p:sp>
-      <p:sp>
-        <p:nvSpPr>
-          <p:cNvPr id="3" name="Объект 2">
-            <a:extLst>
-              <a:ext uri="{FF2B5EF4-FFF2-40B4-BE49-F238E27FC236}">
-                <a16:creationId xmlns:a16="http://schemas.microsoft.com/office/drawing/2014/main" id="{ABE63F6E-8114-1E67-C36F-EA6CCED34E23}"/>
-              </a:ext>
-            </a:extLst>
-          </p:cNvPr>
-          <p:cNvSpPr>
-            <a:spLocks noGrp="1"/>
-          </p:cNvSpPr>
-          <p:nvPr>
-            <p:ph idx="1"/>
-          </p:nvPr>
-        </p:nvSpPr>
-        <p:spPr/>
-        <p:txBody>
-          <a:bodyPr/>
-          <a:lstStyle/>
-          <a:p>
-            <a:r>
-              <a:rPr lang="ru-RU" dirty="0"/>
-              <a:t>Регистрация/Авторизация в приложении</a:t>
-            </a:r>
-          </a:p>
-          <a:p>
-            <a:r>
-              <a:rPr lang="ru-RU" dirty="0"/>
-              <a:t>Просмотр списка ресторанов</a:t>
-            </a:r>
-            <a:endParaRPr lang="en-US" dirty="0"/>
-          </a:p>
-          <a:p>
-            <a:r>
-              <a:rPr lang="ru-RU" dirty="0"/>
-              <a:t>Просмотр информации о ресторанах и их меню</a:t>
-            </a:r>
-            <a:endParaRPr lang="en-US" dirty="0"/>
-          </a:p>
-          <a:p>
-            <a:r>
-              <a:rPr lang="ru-RU" dirty="0"/>
-              <a:t>Просмотр информации о блюде</a:t>
-            </a:r>
-            <a:endParaRPr lang="en-US" dirty="0"/>
-          </a:p>
-          <a:p>
-            <a:r>
-              <a:rPr lang="ru-RU" dirty="0"/>
-              <a:t>Добавление/извлечение блюда из корзины</a:t>
-            </a:r>
-            <a:endParaRPr lang="en-US" dirty="0"/>
-          </a:p>
-          <a:p>
-            <a:r>
-              <a:rPr lang="ru-RU" dirty="0"/>
-              <a:t>Оформление заказа</a:t>
-            </a:r>
-            <a:endParaRPr lang="en-US" dirty="0"/>
-          </a:p>
-          <a:p>
-            <a:pPr marL="0" indent="0">
-              <a:buNone/>
-            </a:pPr>
-            <a:endParaRPr lang="ru-RU" dirty="0"/>
+              <a:rPr lang="ru-RU" dirty="0">
+                <a:latin typeface="Times New Roman" panose="02020603050405020304" pitchFamily="18" charset="0"/>
+                <a:cs typeface="Times New Roman" panose="02020603050405020304" pitchFamily="18" charset="0"/>
+              </a:rPr>
+              <a:t>Средства разработки</a:t>
+            </a:r>
           </a:p>
         </p:txBody>
       </p:sp>
@@ -7007,7 +6938,7 @@
           <p:cNvPr id="5" name="Slide Number Placeholder 4">
             <a:extLst>
               <a:ext uri="{FF2B5EF4-FFF2-40B4-BE49-F238E27FC236}">
-                <a16:creationId xmlns:a16="http://schemas.microsoft.com/office/drawing/2014/main" id="{FF8DE748-97DE-F6A0-0F82-1C0240416E65}"/>
+                <a16:creationId xmlns:a16="http://schemas.microsoft.com/office/drawing/2014/main" id="{F8539045-4109-0D24-F22A-AC65755E7B8A}"/>
               </a:ext>
             </a:extLst>
           </p:cNvPr>
@@ -7035,10 +6966,174 @@
           </a:p>
         </p:txBody>
       </p:sp>
+      <p:pic>
+        <p:nvPicPr>
+          <p:cNvPr id="8" name="Graphic 7">
+            <a:extLst>
+              <a:ext uri="{FF2B5EF4-FFF2-40B4-BE49-F238E27FC236}">
+                <a16:creationId xmlns:a16="http://schemas.microsoft.com/office/drawing/2014/main" id="{3D3F374F-717F-EF97-F5A6-ED30F2AF9893}"/>
+              </a:ext>
+            </a:extLst>
+          </p:cNvPr>
+          <p:cNvPicPr>
+            <a:picLocks noChangeAspect="1"/>
+          </p:cNvPicPr>
+          <p:nvPr/>
+        </p:nvPicPr>
+        <p:blipFill>
+          <a:blip r:embed="rId2">
+            <a:extLst>
+              <a:ext uri="{28A0092B-C50C-407E-A947-70E740481C1C}">
+                <a14:useLocalDpi xmlns:a14="http://schemas.microsoft.com/office/drawing/2010/main" val="0"/>
+              </a:ext>
+              <a:ext uri="{96DAC541-7B7A-43D3-8B79-37D633B846F1}">
+                <asvg:svgBlip xmlns:asvg="http://schemas.microsoft.com/office/drawing/2016/SVG/main" r:embed="rId3"/>
+              </a:ext>
+            </a:extLst>
+          </a:blip>
+          <a:stretch>
+            <a:fillRect/>
+          </a:stretch>
+        </p:blipFill>
+        <p:spPr>
+          <a:xfrm>
+            <a:off x="1094862" y="1888961"/>
+            <a:ext cx="2439282" cy="2439282"/>
+          </a:xfrm>
+          <a:prstGeom prst="rect">
+            <a:avLst/>
+          </a:prstGeom>
+        </p:spPr>
+      </p:pic>
+      <p:pic>
+        <p:nvPicPr>
+          <p:cNvPr id="12" name="Picture 11">
+            <a:extLst>
+              <a:ext uri="{FF2B5EF4-FFF2-40B4-BE49-F238E27FC236}">
+                <a16:creationId xmlns:a16="http://schemas.microsoft.com/office/drawing/2014/main" id="{3AC0A002-097D-2890-578E-85DC10E04023}"/>
+              </a:ext>
+            </a:extLst>
+          </p:cNvPr>
+          <p:cNvPicPr>
+            <a:picLocks noChangeAspect="1"/>
+          </p:cNvPicPr>
+          <p:nvPr/>
+        </p:nvPicPr>
+        <p:blipFill>
+          <a:blip r:embed="rId4">
+            <a:extLst>
+              <a:ext uri="{BEBA8EAE-BF5A-486C-A8C5-ECC9F3942E4B}">
+                <a14:imgProps xmlns:a14="http://schemas.microsoft.com/office/drawing/2010/main">
+                  <a14:imgLayer r:embed="rId5">
+                    <a14:imgEffect>
+                      <a14:backgroundRemoval t="9621" b="98780" l="10000" r="90000">
+                        <a14:foregroundMark x1="34674" y1="9892" x2="34674" y2="9892"/>
+                        <a14:foregroundMark x1="36739" y1="9621" x2="38587" y2="10027"/>
+                        <a14:foregroundMark x1="48587" y1="41192" x2="49457" y2="47832"/>
+                        <a14:foregroundMark x1="60217" y1="10027" x2="63478" y2="9756"/>
+                        <a14:foregroundMark x1="16957" y1="96070" x2="16957" y2="95257"/>
+                        <a14:foregroundMark x1="23913" y1="96883" x2="23913" y2="95528"/>
+                        <a14:foregroundMark x1="30870" y1="96612" x2="31656" y2="96351"/>
+                        <a14:foregroundMark x1="36848" y1="96612" x2="36848" y2="94580"/>
+                        <a14:foregroundMark x1="43913" y1="91870" x2="43913" y2="92954"/>
+                        <a14:foregroundMark x1="50543" y1="90786" x2="50543" y2="92141"/>
+                        <a14:foregroundMark x1="62935" y1="98780" x2="62935" y2="97561"/>
+                        <a14:foregroundMark x1="65870" y1="91870" x2="65978" y2="93631"/>
+                        <a14:foregroundMark x1="69891" y1="93089" x2="69891" y2="93631"/>
+                        <a14:foregroundMark x1="72283" y1="92818" x2="72826" y2="94580"/>
+                        <a14:foregroundMark x1="78152" y1="95528" x2="78587" y2="94715"/>
+                        <a14:foregroundMark x1="70000" y1="89837" x2="70000" y2="89837"/>
+                        <a14:backgroundMark x1="25543" y1="94038" x2="26196" y2="94173"/>
+                        <a14:backgroundMark x1="31630" y1="97832" x2="32717" y2="97290"/>
+                        <a14:backgroundMark x1="31522" y1="96612" x2="32065" y2="96612"/>
+                        <a14:backgroundMark x1="33804" y1="99729" x2="33804" y2="99729"/>
+                        <a14:backgroundMark x1="60326" y1="97967" x2="61630" y2="97290"/>
+                        <a14:backgroundMark x1="68804" y1="56911" x2="68804" y2="56911"/>
+                        <a14:backgroundMark x1="68804" y1="56911" x2="68804" y2="56911"/>
+                        <a14:backgroundMark x1="68913" y1="57046" x2="68478" y2="57453"/>
+                        <a14:backgroundMark x1="68913" y1="56911" x2="68152" y2="57724"/>
+                      </a14:backgroundRemoval>
+                    </a14:imgEffect>
+                  </a14:imgLayer>
+                </a14:imgProps>
+              </a:ext>
+              <a:ext uri="{28A0092B-C50C-407E-A947-70E740481C1C}">
+                <a14:useLocalDpi xmlns:a14="http://schemas.microsoft.com/office/drawing/2010/main" val="0"/>
+              </a:ext>
+            </a:extLst>
+          </a:blip>
+          <a:stretch>
+            <a:fillRect/>
+          </a:stretch>
+        </p:blipFill>
+        <p:spPr>
+          <a:xfrm>
+            <a:off x="3297979" y="2409957"/>
+            <a:ext cx="4594219" cy="3685363"/>
+          </a:xfrm>
+          <a:prstGeom prst="rect">
+            <a:avLst/>
+          </a:prstGeom>
+        </p:spPr>
+      </p:pic>
+      <p:pic>
+        <p:nvPicPr>
+          <p:cNvPr id="16" name="Picture 15">
+            <a:extLst>
+              <a:ext uri="{FF2B5EF4-FFF2-40B4-BE49-F238E27FC236}">
+                <a16:creationId xmlns:a16="http://schemas.microsoft.com/office/drawing/2014/main" id="{B56570D3-B7C3-421B-A488-27D250D2E0EB}"/>
+              </a:ext>
+            </a:extLst>
+          </p:cNvPr>
+          <p:cNvPicPr>
+            <a:picLocks noChangeAspect="1"/>
+          </p:cNvPicPr>
+          <p:nvPr/>
+        </p:nvPicPr>
+        <p:blipFill rotWithShape="1">
+          <a:blip r:embed="rId6">
+            <a:extLst>
+              <a:ext uri="{BEBA8EAE-BF5A-486C-A8C5-ECC9F3942E4B}">
+                <a14:imgProps xmlns:a14="http://schemas.microsoft.com/office/drawing/2010/main">
+                  <a14:imgLayer r:embed="rId7">
+                    <a14:imgEffect>
+                      <a14:backgroundRemoval t="10000" b="90000" l="5250" r="95438">
+                        <a14:foregroundMark x1="10188" y1="47000" x2="5250" y2="65444"/>
+                        <a14:foregroundMark x1="41250" y1="37778" x2="41938" y2="55000"/>
+                        <a14:foregroundMark x1="56437" y1="43556" x2="62563" y2="58667"/>
+                        <a14:foregroundMark x1="71063" y1="44778" x2="71875" y2="66889"/>
+                        <a14:foregroundMark x1="71875" y1="66889" x2="71875" y2="66889"/>
+                        <a14:foregroundMark x1="86250" y1="53111" x2="90000" y2="44111"/>
+                        <a14:foregroundMark x1="90000" y1="44111" x2="90500" y2="43556"/>
+                        <a14:foregroundMark x1="92938" y1="44333" x2="95438" y2="54444"/>
+                        <a14:foregroundMark x1="95438" y1="54444" x2="95438" y2="54556"/>
+                      </a14:backgroundRemoval>
+                    </a14:imgEffect>
+                  </a14:imgLayer>
+                </a14:imgProps>
+              </a:ext>
+              <a:ext uri="{28A0092B-C50C-407E-A947-70E740481C1C}">
+                <a14:useLocalDpi xmlns:a14="http://schemas.microsoft.com/office/drawing/2010/main" val="0"/>
+              </a:ext>
+            </a:extLst>
+          </a:blip>
+          <a:srcRect t="25599" b="22116"/>
+          <a:stretch/>
+        </p:blipFill>
+        <p:spPr>
+          <a:xfrm rot="20340423">
+            <a:off x="7507178" y="2786666"/>
+            <a:ext cx="3440223" cy="1011781"/>
+          </a:xfrm>
+          <a:prstGeom prst="rect">
+            <a:avLst/>
+          </a:prstGeom>
+        </p:spPr>
+      </p:pic>
     </p:spTree>
     <p:extLst>
       <p:ext uri="{BB962C8B-B14F-4D97-AF65-F5344CB8AC3E}">
-        <p14:creationId xmlns:p14="http://schemas.microsoft.com/office/powerpoint/2010/main" val="626026137"/>
+        <p14:creationId xmlns:p14="http://schemas.microsoft.com/office/powerpoint/2010/main" val="246870797"/>
       </p:ext>
     </p:extLst>
   </p:cSld>
@@ -7067,18 +7162,18 @@
       </p:grpSpPr>
       <p:sp>
         <p:nvSpPr>
-          <p:cNvPr id="2" name="Заголовок 1">
-            <a:extLst>
-              <a:ext uri="{FF2B5EF4-FFF2-40B4-BE49-F238E27FC236}">
-                <a16:creationId xmlns:a16="http://schemas.microsoft.com/office/drawing/2014/main" id="{3818F8B9-5C0E-C522-54CB-15D02A0210C3}"/>
-              </a:ext>
-            </a:extLst>
-          </p:cNvPr>
-          <p:cNvSpPr>
-            <a:spLocks noGrp="1"/>
-          </p:cNvSpPr>
-          <p:nvPr>
-            <p:ph type="title"/>
+          <p:cNvPr id="4" name="Slide Number Placeholder 3">
+            <a:extLst>
+              <a:ext uri="{FF2B5EF4-FFF2-40B4-BE49-F238E27FC236}">
+                <a16:creationId xmlns:a16="http://schemas.microsoft.com/office/drawing/2014/main" id="{D4F4E3FB-F9B9-4FC5-7ECA-A990377206FB}"/>
+              </a:ext>
+            </a:extLst>
+          </p:cNvPr>
+          <p:cNvSpPr>
+            <a:spLocks noGrp="1"/>
+          </p:cNvSpPr>
+          <p:nvPr>
+            <p:ph type="sldNum" sz="quarter" idx="12"/>
           </p:nvPr>
         </p:nvSpPr>
         <p:spPr/>
@@ -7086,105 +7181,118 @@
           <a:bodyPr/>
           <a:lstStyle/>
           <a:p>
-            <a:pPr algn="ctr"/>
-            <a:r>
-              <a:rPr lang="ru-RU" dirty="0"/>
-              <a:t>Средства разработки</a:t>
-            </a:r>
-          </a:p>
-        </p:txBody>
-      </p:sp>
-      <p:sp>
-        <p:nvSpPr>
-          <p:cNvPr id="3" name="Объект 2">
-            <a:extLst>
-              <a:ext uri="{FF2B5EF4-FFF2-40B4-BE49-F238E27FC236}">
-                <a16:creationId xmlns:a16="http://schemas.microsoft.com/office/drawing/2014/main" id="{0465DB57-7C72-9780-C668-A8B89EDC1682}"/>
-              </a:ext>
-            </a:extLst>
-          </p:cNvPr>
-          <p:cNvSpPr>
-            <a:spLocks noGrp="1"/>
-          </p:cNvSpPr>
-          <p:nvPr>
-            <p:ph idx="1"/>
-          </p:nvPr>
-        </p:nvSpPr>
-        <p:spPr/>
-        <p:txBody>
-          <a:bodyPr/>
-          <a:lstStyle/>
-          <a:p>
-            <a:pPr marL="0" indent="0">
-              <a:buNone/>
-            </a:pPr>
-            <a:r>
-              <a:rPr lang="ru-RU" sz="2800" dirty="0"/>
-              <a:t>Платформа </a:t>
-            </a:r>
-            <a:r>
-              <a:rPr lang="en-GB" sz="2800" dirty="0"/>
-              <a:t>React Native </a:t>
-            </a:r>
-            <a:r>
-              <a:rPr lang="ru-RU" sz="2800" dirty="0"/>
-              <a:t>в сочетании с широко распространенным языком программирования </a:t>
-            </a:r>
-            <a:r>
-              <a:rPr lang="en-GB" sz="2800" dirty="0"/>
-              <a:t>JavaScript </a:t>
-            </a:r>
-            <a:r>
-              <a:rPr lang="ru-RU" sz="2800" dirty="0"/>
-              <a:t>используется для разработки надежного и универсального мобильного приложения.</a:t>
-            </a:r>
-            <a:endParaRPr lang="ru-RU" dirty="0"/>
-          </a:p>
-          <a:p>
-            <a:pPr marL="0" indent="0">
-              <a:buNone/>
-            </a:pPr>
-            <a:endParaRPr lang="ru-RU" dirty="0"/>
-          </a:p>
-        </p:txBody>
-      </p:sp>
-      <p:sp>
-        <p:nvSpPr>
-          <p:cNvPr id="5" name="Slide Number Placeholder 4">
-            <a:extLst>
-              <a:ext uri="{FF2B5EF4-FFF2-40B4-BE49-F238E27FC236}">
-                <a16:creationId xmlns:a16="http://schemas.microsoft.com/office/drawing/2014/main" id="{F8539045-4109-0D24-F22A-AC65755E7B8A}"/>
-              </a:ext>
-            </a:extLst>
-          </p:cNvPr>
-          <p:cNvSpPr>
-            <a:spLocks noGrp="1"/>
-          </p:cNvSpPr>
-          <p:nvPr>
-            <p:ph type="sldNum" sz="quarter" idx="12"/>
-          </p:nvPr>
-        </p:nvSpPr>
-        <p:spPr/>
-        <p:txBody>
-          <a:bodyPr/>
-          <a:lstStyle/>
-          <a:p>
             <a:fld id="{A88324F3-E932-4F19-A21A-29BF31A0B8AF}" type="slidenum">
-              <a:rPr lang="ru-RU" sz="2000" smtClean="0">
-                <a:latin typeface="Arial Black" panose="020B0A04020102020204" pitchFamily="34" charset="0"/>
-              </a:rPr>
+              <a:rPr lang="ru-RU" smtClean="0"/>
               <a:t>9</a:t>
             </a:fld>
-            <a:endParaRPr lang="ru-RU" sz="2000" dirty="0">
-              <a:latin typeface="Arial Black" panose="020B0A04020102020204" pitchFamily="34" charset="0"/>
+            <a:endParaRPr lang="ru-RU"/>
+          </a:p>
+        </p:txBody>
+      </p:sp>
+      <p:pic>
+        <p:nvPicPr>
+          <p:cNvPr id="5" name="Picture 4">
+            <a:extLst>
+              <a:ext uri="{FF2B5EF4-FFF2-40B4-BE49-F238E27FC236}">
+                <a16:creationId xmlns:a16="http://schemas.microsoft.com/office/drawing/2014/main" id="{AB499175-81A3-08CA-268E-C9FB023F0A3D}"/>
+              </a:ext>
+            </a:extLst>
+          </p:cNvPr>
+          <p:cNvPicPr>
+            <a:picLocks noChangeAspect="1"/>
+          </p:cNvPicPr>
+          <p:nvPr/>
+        </p:nvPicPr>
+        <p:blipFill>
+          <a:blip r:embed="rId2">
+            <a:extLst>
+              <a:ext uri="{28A0092B-C50C-407E-A947-70E740481C1C}">
+                <a14:useLocalDpi xmlns:a14="http://schemas.microsoft.com/office/drawing/2010/main" val="0"/>
+              </a:ext>
+            </a:extLst>
+          </a:blip>
+          <a:stretch>
+            <a:fillRect/>
+          </a:stretch>
+        </p:blipFill>
+        <p:spPr>
+          <a:xfrm>
+            <a:off x="2426334" y="1443351"/>
+            <a:ext cx="7555866" cy="5095561"/>
+          </a:xfrm>
+          <a:prstGeom prst="rect">
+            <a:avLst/>
+          </a:prstGeom>
+        </p:spPr>
+      </p:pic>
+      <p:sp>
+        <p:nvSpPr>
+          <p:cNvPr id="6" name="TextBox 5">
+            <a:extLst>
+              <a:ext uri="{FF2B5EF4-FFF2-40B4-BE49-F238E27FC236}">
+                <a16:creationId xmlns:a16="http://schemas.microsoft.com/office/drawing/2014/main" id="{4622BF53-97E0-847D-DD67-3054033DDEDF}"/>
+              </a:ext>
+            </a:extLst>
+          </p:cNvPr>
+          <p:cNvSpPr txBox="1"/>
+          <p:nvPr/>
+        </p:nvSpPr>
+        <p:spPr>
+          <a:xfrm>
+            <a:off x="794965" y="136525"/>
+            <a:ext cx="10602070" cy="1077218"/>
+          </a:xfrm>
+          <a:prstGeom prst="rect">
+            <a:avLst/>
+          </a:prstGeom>
+          <a:noFill/>
+        </p:spPr>
+        <p:txBody>
+          <a:bodyPr wrap="none" rtlCol="0">
+            <a:spAutoFit/>
+          </a:bodyPr>
+          <a:lstStyle/>
+          <a:p>
+            <a:r>
+              <a:rPr lang="ru-RU" sz="3200" dirty="0">
+                <a:effectLst/>
+                <a:latin typeface="Times New Roman" panose="02020603050405020304" pitchFamily="18" charset="0"/>
+                <a:ea typeface="Times New Roman" panose="02020603050405020304" pitchFamily="18" charset="0"/>
+              </a:rPr>
+              <a:t>Диаграмма классов приложения концептуального уровня в </a:t>
+            </a:r>
+            <a:endParaRPr lang="en-US" sz="3200" dirty="0">
+              <a:effectLst/>
+              <a:latin typeface="Times New Roman" panose="02020603050405020304" pitchFamily="18" charset="0"/>
+              <a:ea typeface="Times New Roman" panose="02020603050405020304" pitchFamily="18" charset="0"/>
             </a:endParaRPr>
+          </a:p>
+          <a:p>
+            <a:pPr algn="ctr"/>
+            <a:r>
+              <a:rPr lang="ru-RU" sz="3200" dirty="0">
+                <a:effectLst/>
+                <a:latin typeface="Times New Roman" panose="02020603050405020304" pitchFamily="18" charset="0"/>
+                <a:ea typeface="Times New Roman" panose="02020603050405020304" pitchFamily="18" charset="0"/>
+              </a:rPr>
+              <a:t>нотации UM</a:t>
+            </a:r>
+            <a:r>
+              <a:rPr lang="en-US" sz="3200" dirty="0">
+                <a:effectLst/>
+                <a:latin typeface="Times New Roman" panose="02020603050405020304" pitchFamily="18" charset="0"/>
+                <a:ea typeface="Times New Roman" panose="02020603050405020304" pitchFamily="18" charset="0"/>
+              </a:rPr>
+              <a:t>L</a:t>
+            </a:r>
+            <a:endParaRPr lang="en-NG" sz="3200" dirty="0"/>
           </a:p>
         </p:txBody>
       </p:sp>
     </p:spTree>
     <p:extLst>
       <p:ext uri="{BB962C8B-B14F-4D97-AF65-F5344CB8AC3E}">
-        <p14:creationId xmlns:p14="http://schemas.microsoft.com/office/powerpoint/2010/main" val="246870797"/>
+        <p14:creationId xmlns:p14="http://schemas.microsoft.com/office/powerpoint/2010/main" val="3563524105"/>
       </p:ext>
     </p:extLst>
   </p:cSld>

--- a/ВКР/Презентация/Презентация к БКР Шеху А.У. ПрИн-467.pptx
+++ b/ВКР/Презентация/Презентация к БКР Шеху А.У. ПрИн-467.pptx
@@ -225,7 +225,7 @@
           <a:p>
             <a:fld id="{6D9412C2-F297-43E7-BE83-5D2AB06CE548}" type="datetimeFigureOut">
               <a:rPr lang="en-US" smtClean="0"/>
-              <a:t>6/10/23</a:t>
+              <a:t>6/10/2023</a:t>
             </a:fld>
             <a:endParaRPr lang="en-US"/>
           </a:p>
@@ -4600,7 +4600,7 @@
           <p:nvPr/>
         </p:nvPicPr>
         <p:blipFill>
-          <a:blip r:embed="rId3">
+          <a:blip r:embed="rId3" cstate="hqprint">
             <a:extLst>
               <a:ext uri="{28A0092B-C50C-407E-A947-70E740481C1C}">
                 <a14:useLocalDpi xmlns:a14="http://schemas.microsoft.com/office/drawing/2010/main" val="0"/>
@@ -4754,12 +4754,26 @@
               </a:rPr>
               <a:t>Результата разработанного программа</a:t>
             </a:r>
+            <a:r>
+              <a:rPr lang="en-US" dirty="0">
+                <a:latin typeface="Times New Roman" panose="02020603050405020304" pitchFamily="18" charset="0"/>
+                <a:cs typeface="Times New Roman" panose="02020603050405020304" pitchFamily="18" charset="0"/>
+              </a:rPr>
+              <a:t/>
+            </a:r>
             <a:br>
               <a:rPr lang="en-US" dirty="0">
                 <a:latin typeface="Times New Roman" panose="02020603050405020304" pitchFamily="18" charset="0"/>
                 <a:cs typeface="Times New Roman" panose="02020603050405020304" pitchFamily="18" charset="0"/>
               </a:rPr>
             </a:br>
+            <a:r>
+              <a:rPr lang="en-US" dirty="0">
+                <a:latin typeface="Times New Roman" panose="02020603050405020304" pitchFamily="18" charset="0"/>
+                <a:cs typeface="Times New Roman" panose="02020603050405020304" pitchFamily="18" charset="0"/>
+              </a:rPr>
+              <a:t/>
+            </a:r>
             <a:br>
               <a:rPr lang="en-US" dirty="0">
                 <a:latin typeface="Times New Roman" panose="02020603050405020304" pitchFamily="18" charset="0"/>
@@ -4857,7 +4871,7 @@
           <p:nvPr/>
         </p:nvPicPr>
         <p:blipFill>
-          <a:blip r:embed="rId3">
+          <a:blip r:embed="rId3" cstate="hqprint">
             <a:extLst>
               <a:ext uri="{28A0092B-C50C-407E-A947-70E740481C1C}">
                 <a14:useLocalDpi xmlns:a14="http://schemas.microsoft.com/office/drawing/2010/main" val="0"/>
@@ -4893,7 +4907,7 @@
           <p:nvPr/>
         </p:nvPicPr>
         <p:blipFill>
-          <a:blip r:embed="rId4">
+          <a:blip r:embed="rId4" cstate="hqprint">
             <a:extLst>
               <a:ext uri="{28A0092B-C50C-407E-A947-70E740481C1C}">
                 <a14:useLocalDpi xmlns:a14="http://schemas.microsoft.com/office/drawing/2010/main" val="0"/>
@@ -4929,7 +4943,7 @@
           <p:nvPr/>
         </p:nvPicPr>
         <p:blipFill>
-          <a:blip r:embed="rId5">
+          <a:blip r:embed="rId5" cstate="hqprint">
             <a:extLst>
               <a:ext uri="{28A0092B-C50C-407E-A947-70E740481C1C}">
                 <a14:useLocalDpi xmlns:a14="http://schemas.microsoft.com/office/drawing/2010/main" val="0"/>
@@ -6245,7 +6259,7 @@
             <p:ph idx="1"/>
             <p:extLst>
               <p:ext uri="{D42A27DB-BD31-4B8C-83A1-F6EECF244321}">
-                <p14:modId xmlns:p14="http://schemas.microsoft.com/office/powerpoint/2010/main" val="2372035630"/>
+                <p14:modId xmlns:p14="http://schemas.microsoft.com/office/powerpoint/2010/main" val="189865757"/>
               </p:ext>
             </p:extLst>
           </p:nvPr>
@@ -6649,8 +6663,12 @@
                     <a:p>
                       <a:pPr algn="ctr"/>
                       <a:r>
+                        <a:rPr lang="ru-RU" dirty="0" smtClean="0"/>
+                        <a:t>Наличие </a:t>
+                      </a:r>
+                      <a:r>
                         <a:rPr lang="ru-RU" dirty="0"/>
-                        <a:t>наличие раздела "Избранное".</a:t>
+                        <a:t>раздела "Избранное".</a:t>
                       </a:r>
                     </a:p>
                   </a:txBody>
@@ -6663,8 +6681,8 @@
                     <a:p>
                       <a:pPr algn="ctr"/>
                       <a:r>
-                        <a:rPr lang="en-US" dirty="0"/>
-                        <a:t>+</a:t>
+                        <a:rPr lang="en-US" smtClean="0"/>
+                        <a:t>-</a:t>
                       </a:r>
                       <a:endParaRPr lang="ru-RU" dirty="0"/>
                     </a:p>
@@ -6987,7 +7005,7 @@
                 <a14:useLocalDpi xmlns:a14="http://schemas.microsoft.com/office/drawing/2010/main" val="0"/>
               </a:ext>
               <a:ext uri="{96DAC541-7B7A-43D3-8B79-37D633B846F1}">
-                <asvg:svgBlip xmlns:asvg="http://schemas.microsoft.com/office/drawing/2016/SVG/main" r:embed="rId3"/>
+                <asvg:svgBlip xmlns:asvg="http://schemas.microsoft.com/office/drawing/2016/SVG/main" xmlns="" r:embed="rId3"/>
               </a:ext>
             </a:extLst>
           </a:blip>
@@ -7091,7 +7109,7 @@
           <p:nvPr/>
         </p:nvPicPr>
         <p:blipFill rotWithShape="1">
-          <a:blip r:embed="rId6">
+          <a:blip r:embed="rId6" cstate="hqprint">
             <a:extLst>
               <a:ext uri="{BEBA8EAE-BF5A-486C-A8C5-ECC9F3942E4B}">
                 <a14:imgProps xmlns:a14="http://schemas.microsoft.com/office/drawing/2010/main">
